--- a/assets/lectures/cbw-cshl/2019/mini/RNASeq_MiniLecture_09_01_AbundanceEstimation.pptx
+++ b/assets/lectures/cbw-cshl/2019/mini/RNASeq_MiniLecture_09_01_AbundanceEstimation.pptx
@@ -5,21 +5,19 @@
     <p:sldMasterId id="2147483660" r:id="rId1"/>
   </p:sldMasterIdLst>
   <p:notesMasterIdLst>
-    <p:notesMasterId r:id="rId14"/>
+    <p:notesMasterId r:id="rId12"/>
   </p:notesMasterIdLst>
   <p:sldIdLst>
-    <p:sldId id="257" r:id="rId2"/>
-    <p:sldId id="258" r:id="rId3"/>
-    <p:sldId id="259" r:id="rId4"/>
-    <p:sldId id="516" r:id="rId5"/>
-    <p:sldId id="517" r:id="rId6"/>
-    <p:sldId id="525" r:id="rId7"/>
-    <p:sldId id="526" r:id="rId8"/>
-    <p:sldId id="518" r:id="rId9"/>
-    <p:sldId id="520" r:id="rId10"/>
-    <p:sldId id="521" r:id="rId11"/>
-    <p:sldId id="522" r:id="rId12"/>
-    <p:sldId id="523" r:id="rId13"/>
+    <p:sldId id="259" r:id="rId2"/>
+    <p:sldId id="516" r:id="rId3"/>
+    <p:sldId id="517" r:id="rId4"/>
+    <p:sldId id="525" r:id="rId5"/>
+    <p:sldId id="526" r:id="rId6"/>
+    <p:sldId id="518" r:id="rId7"/>
+    <p:sldId id="520" r:id="rId8"/>
+    <p:sldId id="521" r:id="rId9"/>
+    <p:sldId id="522" r:id="rId10"/>
+    <p:sldId id="523" r:id="rId11"/>
   </p:sldIdLst>
   <p:sldSz cx="12192000" cy="6858000"/>
   <p:notesSz cx="6858000" cy="9144000"/>
@@ -208,7 +206,7 @@
           <a:p>
             <a:fld id="{827BD9F9-8452-A342-BB1B-28ECF19E2CC5}" type="datetimeFigureOut">
               <a:rPr lang="en-US" smtClean="0"/>
-              <a:t>3/8/19</a:t>
+              <a:t>3/11/19</a:t>
             </a:fld>
             <a:endParaRPr lang="en-US"/>
           </a:p>
@@ -546,7 +544,7 @@
               <a:pPr>
                 <a:defRPr/>
               </a:pPr>
-              <a:t>5</a:t>
+              <a:t>3</a:t>
             </a:fld>
             <a:endParaRPr lang="en-US"/>
           </a:p>
@@ -636,7 +634,7 @@
               <a:pPr>
                 <a:defRPr/>
               </a:pPr>
-              <a:t>6</a:t>
+              <a:t>4</a:t>
             </a:fld>
             <a:endParaRPr lang="en-US"/>
           </a:p>
@@ -726,7 +724,7 @@
               <a:pPr>
                 <a:defRPr/>
               </a:pPr>
-              <a:t>7</a:t>
+              <a:t>5</a:t>
             </a:fld>
             <a:endParaRPr lang="en-US"/>
           </a:p>
@@ -819,7 +817,7 @@
               <a:pPr>
                 <a:defRPr/>
               </a:pPr>
-              <a:t>8</a:t>
+              <a:t>6</a:t>
             </a:fld>
             <a:endParaRPr lang="en-US"/>
           </a:p>
@@ -964,7 +962,7 @@
               <a:pPr>
                 <a:defRPr/>
               </a:pPr>
-              <a:t>9</a:t>
+              <a:t>7</a:t>
             </a:fld>
             <a:endParaRPr lang="en-US"/>
           </a:p>
@@ -1137,7 +1135,7 @@
               <a:pPr>
                 <a:defRPr/>
               </a:pPr>
-              <a:t>10</a:t>
+              <a:t>8</a:t>
             </a:fld>
             <a:endParaRPr lang="en-US"/>
           </a:p>
@@ -1221,7 +1219,7 @@
           <a:p>
             <a:fld id="{91C65747-E6F5-D94A-981D-658B04DED679}" type="slidenum">
               <a:rPr lang="en-US" smtClean="0"/>
-              <a:t>11</a:t>
+              <a:t>9</a:t>
             </a:fld>
             <a:endParaRPr lang="en-US"/>
           </a:p>
@@ -1494,14 +1492,14 @@
           </a:ln>
           <a:extLst>
             <a:ext uri="{909E8E84-426E-40dd-AFC4-6F175D3DCCD1}">
-              <a14:hiddenFill xmlns="" xmlns:a14="http://schemas.microsoft.com/office/drawing/2010/main">
+              <a14:hiddenFill xmlns:a14="http://schemas.microsoft.com/office/drawing/2010/main" xmlns="">
                 <a:solidFill>
                   <a:srgbClr val="FFFFFF"/>
                 </a:solidFill>
               </a14:hiddenFill>
             </a:ext>
             <a:ext uri="{91240B29-F687-4f45-9708-019B960494DF}">
-              <a14:hiddenLine xmlns="" xmlns:a14="http://schemas.microsoft.com/office/drawing/2010/main" w="9525">
+              <a14:hiddenLine xmlns:a14="http://schemas.microsoft.com/office/drawing/2010/main" xmlns="" w="9525">
                 <a:solidFill>
                   <a:srgbClr val="000000"/>
                 </a:solidFill>
@@ -4839,14 +4837,14 @@
           </a:ln>
           <a:extLst>
             <a:ext uri="{909E8E84-426E-40dd-AFC4-6F175D3DCCD1}">
-              <a14:hiddenFill xmlns="" xmlns:a14="http://schemas.microsoft.com/office/drawing/2010/main">
+              <a14:hiddenFill xmlns:a14="http://schemas.microsoft.com/office/drawing/2010/main" xmlns="">
                 <a:solidFill>
                   <a:srgbClr val="FFFFFF"/>
                 </a:solidFill>
               </a14:hiddenFill>
             </a:ext>
             <a:ext uri="{91240B29-F687-4f45-9708-019B960494DF}">
-              <a14:hiddenLine xmlns="" xmlns:a14="http://schemas.microsoft.com/office/drawing/2010/main" w="9525">
+              <a14:hiddenLine xmlns:a14="http://schemas.microsoft.com/office/drawing/2010/main" xmlns="" w="9525">
                 <a:solidFill>
                   <a:srgbClr val="000000"/>
                 </a:solidFill>
@@ -4981,7 +4979,7 @@
                 <a:latin typeface="Calibri" charset="0"/>
                 <a:cs typeface="Calibri" charset="0"/>
               </a:rPr>
-              <a:t>Module </a:t>
+              <a:t>Module 9 </a:t>
             </a:r>
           </a:p>
         </p:txBody>
@@ -5128,19 +5126,7 @@
               <a:rPr lang="en-US" b="1" dirty="0" err="1">
                 <a:cs typeface="Arial" charset="0"/>
               </a:rPr>
-              <a:t>bio</a:t>
-            </a:r>
-            <a:r>
-              <a:rPr lang="en-US" dirty="0" err="1">
-                <a:cs typeface="Arial" charset="0"/>
-              </a:rPr>
-              <a:t>informatics</a:t>
-            </a:r>
-            <a:r>
-              <a:rPr lang="en-US" sz="1400" dirty="0" err="1">
-                <a:cs typeface="Arial" charset="0"/>
-              </a:rPr>
-              <a:t>.ca</a:t>
+              <a:t>rnabio.org</a:t>
             </a:r>
             <a:endParaRPr lang="en-US" dirty="0">
               <a:cs typeface="Arial" charset="0"/>
@@ -5473,1036 +5459,6 @@
       </p:grpSpPr>
       <p:sp>
         <p:nvSpPr>
-          <p:cNvPr id="4" name="Rectangle 2">
-            <a:extLst>
-              <a:ext uri="{FF2B5EF4-FFF2-40B4-BE49-F238E27FC236}">
-                <a16:creationId xmlns:a16="http://schemas.microsoft.com/office/drawing/2014/main" id="{3951701B-699C-D042-8C4F-2B7A911EC7B7}"/>
-              </a:ext>
-            </a:extLst>
-          </p:cNvPr>
-          <p:cNvSpPr txBox="1">
-            <a:spLocks noChangeArrowheads="1"/>
-          </p:cNvSpPr>
-          <p:nvPr/>
-        </p:nvSpPr>
-        <p:spPr>
-          <a:xfrm>
-            <a:off x="931221" y="2489451"/>
-            <a:ext cx="10294920" cy="1447800"/>
-          </a:xfrm>
-          <a:prstGeom prst="rect">
-            <a:avLst/>
-          </a:prstGeom>
-        </p:spPr>
-        <p:txBody>
-          <a:bodyPr vert="horz" lIns="91440" tIns="45720" rIns="91440" bIns="45720" rtlCol="0" anchor="ctr">
-            <a:normAutofit/>
-          </a:bodyPr>
-          <a:lstStyle>
-            <a:lvl1pPr algn="l" defTabSz="914400" rtl="0" eaLnBrk="1" latinLnBrk="0" hangingPunct="1">
-              <a:lnSpc>
-                <a:spcPct val="90000"/>
-              </a:lnSpc>
-              <a:spcBef>
-                <a:spcPct val="0"/>
-              </a:spcBef>
-              <a:buNone/>
-              <a:defRPr sz="4400" kern="1200">
-                <a:solidFill>
-                  <a:schemeClr val="tx1"/>
-                </a:solidFill>
-                <a:latin typeface="+mj-lt"/>
-                <a:ea typeface="+mj-ea"/>
-                <a:cs typeface="+mj-cs"/>
-              </a:defRPr>
-            </a:lvl1pPr>
-          </a:lstStyle>
-          <a:p>
-            <a:pPr marL="0" marR="0" lvl="0" indent="0" algn="l" defTabSz="914400" rtl="0" eaLnBrk="1" fontAlgn="auto" latinLnBrk="0" hangingPunct="1">
-              <a:lnSpc>
-                <a:spcPct val="90000"/>
-              </a:lnSpc>
-              <a:spcBef>
-                <a:spcPct val="0"/>
-              </a:spcBef>
-              <a:spcAft>
-                <a:spcPts val="0"/>
-              </a:spcAft>
-              <a:buClrTx/>
-              <a:buSzTx/>
-              <a:buFontTx/>
-              <a:buNone/>
-              <a:tabLst/>
-              <a:defRPr/>
-            </a:pPr>
-            <a:r>
-              <a:rPr kumimoji="0" lang="en-US" sz="4400" b="0" i="0" u="none" strike="noStrike" kern="1200" cap="none" spc="0" normalizeH="0" baseline="0" noProof="0" dirty="0">
-                <a:ln>
-                  <a:noFill/>
-                </a:ln>
-                <a:solidFill>
-                  <a:srgbClr val="9A3334"/>
-                </a:solidFill>
-                <a:effectLst/>
-                <a:uLnTx/>
-                <a:uFillTx/>
-                <a:latin typeface="Verdana" panose="020B0604030504040204" pitchFamily="34" charset="0"/>
-                <a:ea typeface="Verdana" panose="020B0604030504040204" pitchFamily="34" charset="0"/>
-                <a:cs typeface="Verdana" panose="020B0604030504040204" pitchFamily="34" charset="0"/>
-              </a:rPr>
-              <a:t>Canadian Bioinformatics Workshops</a:t>
-            </a:r>
-          </a:p>
-        </p:txBody>
-      </p:sp>
-      <p:sp>
-        <p:nvSpPr>
-          <p:cNvPr id="5" name="Rectangle 3">
-            <a:extLst>
-              <a:ext uri="{FF2B5EF4-FFF2-40B4-BE49-F238E27FC236}">
-                <a16:creationId xmlns:a16="http://schemas.microsoft.com/office/drawing/2014/main" id="{F9B358B9-3A44-4642-B0D6-A899FE00280C}"/>
-              </a:ext>
-            </a:extLst>
-          </p:cNvPr>
-          <p:cNvSpPr txBox="1">
-            <a:spLocks noChangeArrowheads="1"/>
-          </p:cNvSpPr>
-          <p:nvPr/>
-        </p:nvSpPr>
-        <p:spPr>
-          <a:xfrm>
-            <a:off x="2058889" y="3719450"/>
-            <a:ext cx="8039584" cy="1927225"/>
-          </a:xfrm>
-          <a:prstGeom prst="rect">
-            <a:avLst/>
-          </a:prstGeom>
-        </p:spPr>
-        <p:txBody>
-          <a:bodyPr vert="horz" lIns="91440" tIns="45720" rIns="91440" bIns="45720" rtlCol="0">
-            <a:normAutofit/>
-          </a:bodyPr>
-          <a:lstStyle>
-            <a:lvl1pPr marL="228600" indent="-228600" algn="l" defTabSz="914400" rtl="0" eaLnBrk="1" latinLnBrk="0" hangingPunct="1">
-              <a:lnSpc>
-                <a:spcPct val="90000"/>
-              </a:lnSpc>
-              <a:spcBef>
-                <a:spcPts val="1000"/>
-              </a:spcBef>
-              <a:buFont typeface="Arial" panose="020B0604020202020204" pitchFamily="34" charset="0"/>
-              <a:buChar char="•"/>
-              <a:defRPr sz="2800" kern="1200">
-                <a:solidFill>
-                  <a:schemeClr val="tx1"/>
-                </a:solidFill>
-                <a:latin typeface="+mn-lt"/>
-                <a:ea typeface="+mn-ea"/>
-                <a:cs typeface="+mn-cs"/>
-              </a:defRPr>
-            </a:lvl1pPr>
-            <a:lvl2pPr marL="685800" indent="-228600" algn="l" defTabSz="914400" rtl="0" eaLnBrk="1" latinLnBrk="0" hangingPunct="1">
-              <a:lnSpc>
-                <a:spcPct val="90000"/>
-              </a:lnSpc>
-              <a:spcBef>
-                <a:spcPts val="500"/>
-              </a:spcBef>
-              <a:buFont typeface="Arial" panose="020B0604020202020204" pitchFamily="34" charset="0"/>
-              <a:buChar char="•"/>
-              <a:defRPr sz="2400" kern="1200">
-                <a:solidFill>
-                  <a:schemeClr val="tx1"/>
-                </a:solidFill>
-                <a:latin typeface="+mn-lt"/>
-                <a:ea typeface="+mn-ea"/>
-                <a:cs typeface="+mn-cs"/>
-              </a:defRPr>
-            </a:lvl2pPr>
-            <a:lvl3pPr marL="1143000" indent="-228600" algn="l" defTabSz="914400" rtl="0" eaLnBrk="1" latinLnBrk="0" hangingPunct="1">
-              <a:lnSpc>
-                <a:spcPct val="90000"/>
-              </a:lnSpc>
-              <a:spcBef>
-                <a:spcPts val="500"/>
-              </a:spcBef>
-              <a:buFont typeface="Arial" panose="020B0604020202020204" pitchFamily="34" charset="0"/>
-              <a:buChar char="•"/>
-              <a:defRPr sz="2000" kern="1200">
-                <a:solidFill>
-                  <a:schemeClr val="tx1"/>
-                </a:solidFill>
-                <a:latin typeface="+mn-lt"/>
-                <a:ea typeface="+mn-ea"/>
-                <a:cs typeface="+mn-cs"/>
-              </a:defRPr>
-            </a:lvl3pPr>
-            <a:lvl4pPr marL="1600200" indent="-228600" algn="l" defTabSz="914400" rtl="0" eaLnBrk="1" latinLnBrk="0" hangingPunct="1">
-              <a:lnSpc>
-                <a:spcPct val="90000"/>
-              </a:lnSpc>
-              <a:spcBef>
-                <a:spcPts val="500"/>
-              </a:spcBef>
-              <a:buFont typeface="Arial" panose="020B0604020202020204" pitchFamily="34" charset="0"/>
-              <a:buChar char="•"/>
-              <a:defRPr sz="1800" kern="1200">
-                <a:solidFill>
-                  <a:schemeClr val="tx1"/>
-                </a:solidFill>
-                <a:latin typeface="+mn-lt"/>
-                <a:ea typeface="+mn-ea"/>
-                <a:cs typeface="+mn-cs"/>
-              </a:defRPr>
-            </a:lvl4pPr>
-            <a:lvl5pPr marL="2057400" indent="-228600" algn="l" defTabSz="914400" rtl="0" eaLnBrk="1" latinLnBrk="0" hangingPunct="1">
-              <a:lnSpc>
-                <a:spcPct val="90000"/>
-              </a:lnSpc>
-              <a:spcBef>
-                <a:spcPts val="500"/>
-              </a:spcBef>
-              <a:buFont typeface="Arial" panose="020B0604020202020204" pitchFamily="34" charset="0"/>
-              <a:buChar char="•"/>
-              <a:defRPr sz="1800" kern="1200">
-                <a:solidFill>
-                  <a:schemeClr val="tx1"/>
-                </a:solidFill>
-                <a:latin typeface="+mn-lt"/>
-                <a:ea typeface="+mn-ea"/>
-                <a:cs typeface="+mn-cs"/>
-              </a:defRPr>
-            </a:lvl5pPr>
-            <a:lvl6pPr marL="2514600" indent="-228600" algn="l" defTabSz="914400" rtl="0" eaLnBrk="1" latinLnBrk="0" hangingPunct="1">
-              <a:lnSpc>
-                <a:spcPct val="90000"/>
-              </a:lnSpc>
-              <a:spcBef>
-                <a:spcPts val="500"/>
-              </a:spcBef>
-              <a:buFont typeface="Arial" panose="020B0604020202020204" pitchFamily="34" charset="0"/>
-              <a:buChar char="•"/>
-              <a:defRPr sz="1800" kern="1200">
-                <a:solidFill>
-                  <a:schemeClr val="tx1"/>
-                </a:solidFill>
-                <a:latin typeface="+mn-lt"/>
-                <a:ea typeface="+mn-ea"/>
-                <a:cs typeface="+mn-cs"/>
-              </a:defRPr>
-            </a:lvl6pPr>
-            <a:lvl7pPr marL="2971800" indent="-228600" algn="l" defTabSz="914400" rtl="0" eaLnBrk="1" latinLnBrk="0" hangingPunct="1">
-              <a:lnSpc>
-                <a:spcPct val="90000"/>
-              </a:lnSpc>
-              <a:spcBef>
-                <a:spcPts val="500"/>
-              </a:spcBef>
-              <a:buFont typeface="Arial" panose="020B0604020202020204" pitchFamily="34" charset="0"/>
-              <a:buChar char="•"/>
-              <a:defRPr sz="1800" kern="1200">
-                <a:solidFill>
-                  <a:schemeClr val="tx1"/>
-                </a:solidFill>
-                <a:latin typeface="+mn-lt"/>
-                <a:ea typeface="+mn-ea"/>
-                <a:cs typeface="+mn-cs"/>
-              </a:defRPr>
-            </a:lvl7pPr>
-            <a:lvl8pPr marL="3429000" indent="-228600" algn="l" defTabSz="914400" rtl="0" eaLnBrk="1" latinLnBrk="0" hangingPunct="1">
-              <a:lnSpc>
-                <a:spcPct val="90000"/>
-              </a:lnSpc>
-              <a:spcBef>
-                <a:spcPts val="500"/>
-              </a:spcBef>
-              <a:buFont typeface="Arial" panose="020B0604020202020204" pitchFamily="34" charset="0"/>
-              <a:buChar char="•"/>
-              <a:defRPr sz="1800" kern="1200">
-                <a:solidFill>
-                  <a:schemeClr val="tx1"/>
-                </a:solidFill>
-                <a:latin typeface="+mn-lt"/>
-                <a:ea typeface="+mn-ea"/>
-                <a:cs typeface="+mn-cs"/>
-              </a:defRPr>
-            </a:lvl8pPr>
-            <a:lvl9pPr marL="3886200" indent="-228600" algn="l" defTabSz="914400" rtl="0" eaLnBrk="1" latinLnBrk="0" hangingPunct="1">
-              <a:lnSpc>
-                <a:spcPct val="90000"/>
-              </a:lnSpc>
-              <a:spcBef>
-                <a:spcPts val="500"/>
-              </a:spcBef>
-              <a:buFont typeface="Arial" panose="020B0604020202020204" pitchFamily="34" charset="0"/>
-              <a:buChar char="•"/>
-              <a:defRPr sz="1800" kern="1200">
-                <a:solidFill>
-                  <a:schemeClr val="tx1"/>
-                </a:solidFill>
-                <a:latin typeface="+mn-lt"/>
-                <a:ea typeface="+mn-ea"/>
-                <a:cs typeface="+mn-cs"/>
-              </a:defRPr>
-            </a:lvl9pPr>
-          </a:lstStyle>
-          <a:p>
-            <a:pPr marL="0" marR="0" lvl="0" indent="0" algn="ctr" defTabSz="914400" rtl="0" eaLnBrk="1" fontAlgn="auto" latinLnBrk="0" hangingPunct="1">
-              <a:lnSpc>
-                <a:spcPct val="90000"/>
-              </a:lnSpc>
-              <a:spcBef>
-                <a:spcPts val="1000"/>
-              </a:spcBef>
-              <a:spcAft>
-                <a:spcPts val="0"/>
-              </a:spcAft>
-              <a:buClrTx/>
-              <a:buSzTx/>
-              <a:buFont typeface="Arial" charset="0"/>
-              <a:buNone/>
-              <a:tabLst/>
-              <a:defRPr/>
-            </a:pPr>
-            <a:r>
-              <a:rPr kumimoji="0" lang="en-US" sz="2800" b="0" i="0" u="none" strike="noStrike" kern="1200" cap="none" spc="0" normalizeH="0" baseline="0" noProof="0" dirty="0" err="1">
-                <a:ln>
-                  <a:noFill/>
-                </a:ln>
-                <a:solidFill>
-                  <a:prstClr val="black"/>
-                </a:solidFill>
-                <a:effectLst/>
-                <a:uLnTx/>
-                <a:uFillTx/>
-                <a:latin typeface="Verdana" panose="020B0604030504040204"/>
-                <a:ea typeface="ＭＳ Ｐゴシック" charset="0"/>
-                <a:cs typeface="ＭＳ Ｐゴシック" charset="0"/>
-              </a:rPr>
-              <a:t>www.bioinformatics.ca</a:t>
-            </a:r>
-            <a:endParaRPr kumimoji="0" lang="en-US" sz="2800" b="0" i="0" u="none" strike="noStrike" kern="1200" cap="none" spc="0" normalizeH="0" baseline="0" noProof="0" dirty="0">
-              <a:ln>
-                <a:noFill/>
-              </a:ln>
-              <a:solidFill>
-                <a:prstClr val="black"/>
-              </a:solidFill>
-              <a:effectLst/>
-              <a:uLnTx/>
-              <a:uFillTx/>
-              <a:latin typeface="Verdana" panose="020B0604030504040204"/>
-              <a:ea typeface="ＭＳ Ｐゴシック" charset="0"/>
-              <a:cs typeface="ＭＳ Ｐゴシック" charset="0"/>
-            </a:endParaRPr>
-          </a:p>
-          <a:p>
-            <a:pPr marL="0" marR="0" lvl="0" indent="0" algn="ctr" defTabSz="914400" rtl="0" eaLnBrk="1" fontAlgn="auto" latinLnBrk="0" hangingPunct="1">
-              <a:lnSpc>
-                <a:spcPct val="90000"/>
-              </a:lnSpc>
-              <a:spcBef>
-                <a:spcPts val="1000"/>
-              </a:spcBef>
-              <a:spcAft>
-                <a:spcPts val="0"/>
-              </a:spcAft>
-              <a:buClrTx/>
-              <a:buSzTx/>
-              <a:buFont typeface="Arial" charset="0"/>
-              <a:buNone/>
-              <a:tabLst/>
-              <a:defRPr/>
-            </a:pPr>
-            <a:r>
-              <a:rPr kumimoji="0" lang="en-US" sz="2800" b="0" i="0" u="none" strike="noStrike" kern="1200" cap="none" spc="0" normalizeH="0" baseline="0" noProof="0" dirty="0" err="1">
-                <a:ln>
-                  <a:noFill/>
-                </a:ln>
-                <a:solidFill>
-                  <a:prstClr val="black"/>
-                </a:solidFill>
-                <a:effectLst/>
-                <a:uLnTx/>
-                <a:uFillTx/>
-                <a:latin typeface="Verdana" panose="020B0604030504040204"/>
-                <a:ea typeface="ＭＳ Ｐゴシック" charset="0"/>
-                <a:cs typeface="ＭＳ Ｐゴシック" charset="0"/>
-              </a:rPr>
-              <a:t>bioinformaticsdotca.github.io</a:t>
-            </a:r>
-            <a:endParaRPr kumimoji="0" lang="en-US" sz="2800" b="0" i="0" u="none" strike="noStrike" kern="1200" cap="none" spc="0" normalizeH="0" baseline="0" noProof="0" dirty="0">
-              <a:ln>
-                <a:noFill/>
-              </a:ln>
-              <a:solidFill>
-                <a:prstClr val="black"/>
-              </a:solidFill>
-              <a:effectLst/>
-              <a:uLnTx/>
-              <a:uFillTx/>
-              <a:latin typeface="Verdana" panose="020B0604030504040204"/>
-              <a:ea typeface="ＭＳ Ｐゴシック" charset="0"/>
-              <a:cs typeface="ＭＳ Ｐゴシック" charset="0"/>
-            </a:endParaRPr>
-          </a:p>
-        </p:txBody>
-      </p:sp>
-      <p:pic>
-        <p:nvPicPr>
-          <p:cNvPr id="6" name="Picture 5">
-            <a:extLst>
-              <a:ext uri="{FF2B5EF4-FFF2-40B4-BE49-F238E27FC236}">
-                <a16:creationId xmlns:a16="http://schemas.microsoft.com/office/drawing/2014/main" id="{7E3CC30E-EF41-4A4B-AD78-53A11C3D8B87}"/>
-              </a:ext>
-            </a:extLst>
-          </p:cNvPr>
-          <p:cNvPicPr>
-            <a:picLocks noChangeAspect="1"/>
-          </p:cNvPicPr>
-          <p:nvPr/>
-        </p:nvPicPr>
-        <p:blipFill>
-          <a:blip r:embed="rId2"/>
-          <a:stretch>
-            <a:fillRect/>
-          </a:stretch>
-        </p:blipFill>
-        <p:spPr>
-          <a:xfrm>
-            <a:off x="10608072" y="5106390"/>
-            <a:ext cx="1583928" cy="1313871"/>
-          </a:xfrm>
-          <a:prstGeom prst="rect">
-            <a:avLst/>
-          </a:prstGeom>
-        </p:spPr>
-      </p:pic>
-    </p:spTree>
-    <p:extLst>
-      <p:ext uri="{BB962C8B-B14F-4D97-AF65-F5344CB8AC3E}">
-        <p14:creationId xmlns:p14="http://schemas.microsoft.com/office/powerpoint/2010/main" val="454110252"/>
-      </p:ext>
-    </p:extLst>
-  </p:cSld>
-  <p:clrMapOvr>
-    <a:masterClrMapping/>
-  </p:clrMapOvr>
-</p:sld>
-</file>
-
-<file path=ppt/slides/slide10.xml><?xml version="1.0" encoding="utf-8"?>
-<p:sld xmlns:a="http://schemas.openxmlformats.org/drawingml/2006/main" xmlns:r="http://schemas.openxmlformats.org/officeDocument/2006/relationships" xmlns:p="http://schemas.openxmlformats.org/presentationml/2006/main">
-  <p:cSld>
-    <p:spTree>
-      <p:nvGrpSpPr>
-        <p:cNvPr id="1" name=""/>
-        <p:cNvGrpSpPr/>
-        <p:nvPr/>
-      </p:nvGrpSpPr>
-      <p:grpSpPr>
-        <a:xfrm>
-          <a:off x="0" y="0"/>
-          <a:ext cx="0" cy="0"/>
-          <a:chOff x="0" y="0"/>
-          <a:chExt cx="0" cy="0"/>
-        </a:xfrm>
-      </p:grpSpPr>
-      <p:sp>
-        <p:nvSpPr>
-          <p:cNvPr id="2" name="Title 1"/>
-          <p:cNvSpPr>
-            <a:spLocks noGrp="1"/>
-          </p:cNvSpPr>
-          <p:nvPr>
-            <p:ph type="title"/>
-          </p:nvPr>
-        </p:nvSpPr>
-        <p:spPr>
-          <a:xfrm>
-            <a:off x="1676400" y="44624"/>
-            <a:ext cx="8839200" cy="1008112"/>
-          </a:xfrm>
-        </p:spPr>
-        <p:txBody>
-          <a:bodyPr>
-            <a:normAutofit/>
-          </a:bodyPr>
-          <a:lstStyle/>
-          <a:p>
-            <a:pPr algn="ctr"/>
-            <a:r>
-              <a:rPr lang="en-US" sz="2800" b="1" dirty="0">
-                <a:latin typeface="Calibri" panose="020F0502020204030204" pitchFamily="34" charset="0"/>
-                <a:cs typeface="Calibri" panose="020F0502020204030204" pitchFamily="34" charset="0"/>
-              </a:rPr>
-              <a:t>From flow network for each transcript, maximum flow is used to assemble transcript and estimate abundance </a:t>
-            </a:r>
-          </a:p>
-        </p:txBody>
-      </p:sp>
-      <p:pic>
-        <p:nvPicPr>
-          <p:cNvPr id="4" name="Content Placeholder 3" descr="nbt.3122-S1_Page_14.png"/>
-          <p:cNvPicPr>
-            <a:picLocks noGrp="1" noChangeAspect="1"/>
-          </p:cNvPicPr>
-          <p:nvPr>
-            <p:ph idx="1"/>
-          </p:nvPr>
-        </p:nvPicPr>
-        <p:blipFill rotWithShape="1">
-          <a:blip r:embed="rId3" cstate="print">
-            <a:extLst>
-              <a:ext uri="{28A0092B-C50C-407E-A947-70E740481C1C}">
-                <a14:useLocalDpi xmlns:a14="http://schemas.microsoft.com/office/drawing/2010/main" val="0"/>
-              </a:ext>
-            </a:extLst>
-          </a:blip>
-          <a:srcRect l="17889" t="11473" r="30804" b="58388"/>
-          <a:stretch/>
-        </p:blipFill>
-        <p:spPr>
-          <a:xfrm>
-            <a:off x="2639616" y="980728"/>
-            <a:ext cx="6480720" cy="4926544"/>
-          </a:xfrm>
-        </p:spPr>
-      </p:pic>
-      <p:sp>
-        <p:nvSpPr>
-          <p:cNvPr id="5" name="Rectangle 4"/>
-          <p:cNvSpPr/>
-          <p:nvPr/>
-        </p:nvSpPr>
-        <p:spPr>
-          <a:xfrm>
-            <a:off x="491067" y="5877272"/>
-            <a:ext cx="11311466" cy="523220"/>
-          </a:xfrm>
-          <a:prstGeom prst="rect">
-            <a:avLst/>
-          </a:prstGeom>
-        </p:spPr>
-        <p:txBody>
-          <a:bodyPr wrap="square">
-            <a:spAutoFit/>
-          </a:bodyPr>
-          <a:lstStyle/>
-          <a:p>
-            <a:r>
-              <a:rPr lang="en-US" sz="1400" dirty="0" err="1"/>
-              <a:t>StringTie</a:t>
-            </a:r>
-            <a:r>
-              <a:rPr lang="en-US" sz="1400" dirty="0"/>
-              <a:t> uses basic graph theory (splice graph), custom heuristics (heaviest path), more graph theory </a:t>
-            </a:r>
-            <a:br>
-              <a:rPr lang="en-US" sz="1400" dirty="0"/>
-            </a:br>
-            <a:r>
-              <a:rPr lang="en-US" sz="1400" dirty="0"/>
-              <a:t>(flow network) and optimization theory (maximum flow). See </a:t>
-            </a:r>
-            <a:r>
-              <a:rPr lang="en-US" sz="1400" dirty="0" err="1"/>
-              <a:t>StringTie</a:t>
-            </a:r>
-            <a:r>
-              <a:rPr lang="en-US" sz="1400" dirty="0"/>
-              <a:t> paper for definitions and math.</a:t>
-            </a:r>
-          </a:p>
-        </p:txBody>
-      </p:sp>
-    </p:spTree>
-    <p:extLst>
-      <p:ext uri="{BB962C8B-B14F-4D97-AF65-F5344CB8AC3E}">
-        <p14:creationId xmlns:p14="http://schemas.microsoft.com/office/powerpoint/2010/main" val="4099051196"/>
-      </p:ext>
-    </p:extLst>
-  </p:cSld>
-  <p:clrMapOvr>
-    <a:masterClrMapping/>
-  </p:clrMapOvr>
-  <p:timing>
-    <p:tnLst>
-      <p:par>
-        <p:cTn id="1" dur="indefinite" restart="never" nodeType="tmRoot">
-          <p:childTnLst>
-            <p:seq concurrent="1" nextAc="seek">
-              <p:cTn id="2" dur="indefinite" nodeType="mainSeq">
-                <p:childTnLst>
-                  <p:par>
-                    <p:cTn id="3" fill="hold">
-                      <p:stCondLst>
-                        <p:cond delay="indefinite"/>
-                      </p:stCondLst>
-                      <p:childTnLst>
-                        <p:par>
-                          <p:cTn id="4" fill="hold">
-                            <p:stCondLst>
-                              <p:cond delay="0"/>
-                            </p:stCondLst>
-                            <p:childTnLst>
-                              <p:par>
-                                <p:cTn id="5" presetID="1" presetClass="entr" presetSubtype="0" fill="hold" grpId="0" nodeType="clickEffect">
-                                  <p:stCondLst>
-                                    <p:cond delay="0"/>
-                                  </p:stCondLst>
-                                  <p:childTnLst>
-                                    <p:set>
-                                      <p:cBhvr>
-                                        <p:cTn id="6" dur="1" fill="hold">
-                                          <p:stCondLst>
-                                            <p:cond delay="0"/>
-                                          </p:stCondLst>
-                                        </p:cTn>
-                                        <p:tgtEl>
-                                          <p:spTgt spid="5"/>
-                                        </p:tgtEl>
-                                        <p:attrNameLst>
-                                          <p:attrName>style.visibility</p:attrName>
-                                        </p:attrNameLst>
-                                      </p:cBhvr>
-                                      <p:to>
-                                        <p:strVal val="visible"/>
-                                      </p:to>
-                                    </p:set>
-                                  </p:childTnLst>
-                                </p:cTn>
-                              </p:par>
-                            </p:childTnLst>
-                          </p:cTn>
-                        </p:par>
-                      </p:childTnLst>
-                    </p:cTn>
-                  </p:par>
-                </p:childTnLst>
-              </p:cTn>
-              <p:prevCondLst>
-                <p:cond evt="onPrev" delay="0">
-                  <p:tgtEl>
-                    <p:sldTgt/>
-                  </p:tgtEl>
-                </p:cond>
-              </p:prevCondLst>
-              <p:nextCondLst>
-                <p:cond evt="onNext" delay="0">
-                  <p:tgtEl>
-                    <p:sldTgt/>
-                  </p:tgtEl>
-                </p:cond>
-              </p:nextCondLst>
-            </p:seq>
-          </p:childTnLst>
-        </p:cTn>
-      </p:par>
-    </p:tnLst>
-    <p:bldLst>
-      <p:bldP spid="5" grpId="0"/>
-    </p:bldLst>
-  </p:timing>
-</p:sld>
-</file>
-
-<file path=ppt/slides/slide11.xml><?xml version="1.0" encoding="utf-8"?>
-<p:sld xmlns:a="http://schemas.openxmlformats.org/drawingml/2006/main" xmlns:r="http://schemas.openxmlformats.org/officeDocument/2006/relationships" xmlns:p="http://schemas.openxmlformats.org/presentationml/2006/main">
-  <p:cSld>
-    <p:spTree>
-      <p:nvGrpSpPr>
-        <p:cNvPr id="1" name=""/>
-        <p:cNvGrpSpPr/>
-        <p:nvPr/>
-      </p:nvGrpSpPr>
-      <p:grpSpPr>
-        <a:xfrm>
-          <a:off x="0" y="0"/>
-          <a:ext cx="0" cy="0"/>
-          <a:chOff x="0" y="0"/>
-          <a:chExt cx="0" cy="0"/>
-        </a:xfrm>
-      </p:grpSpPr>
-      <p:sp>
-        <p:nvSpPr>
-          <p:cNvPr id="2" name="Title 1"/>
-          <p:cNvSpPr>
-            <a:spLocks noGrp="1"/>
-          </p:cNvSpPr>
-          <p:nvPr>
-            <p:ph type="title"/>
-          </p:nvPr>
-        </p:nvSpPr>
-        <p:spPr/>
-        <p:txBody>
-          <a:bodyPr/>
-          <a:lstStyle/>
-          <a:p>
-            <a:pPr algn="ctr"/>
-            <a:r>
-              <a:rPr lang="en-US" b="1" dirty="0" err="1">
-                <a:latin typeface="Calibri" panose="020F0502020204030204" pitchFamily="34" charset="0"/>
-                <a:cs typeface="Calibri" panose="020F0502020204030204" pitchFamily="34" charset="0"/>
-              </a:rPr>
-              <a:t>StringTie</a:t>
-            </a:r>
-            <a:r>
-              <a:rPr lang="en-US" b="1" dirty="0">
-                <a:latin typeface="Calibri" panose="020F0502020204030204" pitchFamily="34" charset="0"/>
-                <a:cs typeface="Calibri" panose="020F0502020204030204" pitchFamily="34" charset="0"/>
-              </a:rPr>
-              <a:t> -merge</a:t>
-            </a:r>
-          </a:p>
-        </p:txBody>
-      </p:sp>
-      <p:sp>
-        <p:nvSpPr>
-          <p:cNvPr id="3" name="Content Placeholder 2"/>
-          <p:cNvSpPr>
-            <a:spLocks noGrp="1"/>
-          </p:cNvSpPr>
-          <p:nvPr>
-            <p:ph idx="1"/>
-          </p:nvPr>
-        </p:nvSpPr>
-        <p:spPr/>
-        <p:txBody>
-          <a:bodyPr/>
-          <a:lstStyle/>
-          <a:p>
-            <a:r>
-              <a:rPr lang="en-US" dirty="0"/>
-              <a:t>Merge together all gene structures from all samples</a:t>
-            </a:r>
-          </a:p>
-          <a:p>
-            <a:pPr lvl="1"/>
-            <a:r>
-              <a:rPr lang="en-US" dirty="0"/>
-              <a:t>Some samples may only partially represent a gene structure</a:t>
-            </a:r>
-            <a:br>
-              <a:rPr lang="en-US" dirty="0"/>
-            </a:br>
-            <a:endParaRPr lang="en-US" dirty="0"/>
-          </a:p>
-          <a:p>
-            <a:r>
-              <a:rPr lang="en-US" dirty="0"/>
-              <a:t>Incorporates known transcripts with assembled, potentially novel transcripts</a:t>
-            </a:r>
-            <a:br>
-              <a:rPr lang="en-US" dirty="0"/>
-            </a:br>
-            <a:endParaRPr lang="en-US" dirty="0"/>
-          </a:p>
-          <a:p>
-            <a:r>
-              <a:rPr lang="en-US" dirty="0"/>
-              <a:t>For de novo or reference guided mode, we will rerun </a:t>
-            </a:r>
-            <a:r>
-              <a:rPr lang="en-US" dirty="0" err="1"/>
-              <a:t>StringTie</a:t>
-            </a:r>
-            <a:r>
-              <a:rPr lang="en-US" dirty="0"/>
-              <a:t> with the merged transcript assembly.</a:t>
-            </a:r>
-          </a:p>
-        </p:txBody>
-      </p:sp>
-      <p:sp>
-        <p:nvSpPr>
-          <p:cNvPr id="4" name="TextBox 3"/>
-          <p:cNvSpPr txBox="1"/>
-          <p:nvPr/>
-        </p:nvSpPr>
-        <p:spPr>
-          <a:xfrm>
-            <a:off x="6240016" y="6021288"/>
-            <a:ext cx="4427984" cy="369332"/>
-          </a:xfrm>
-          <a:prstGeom prst="rect">
-            <a:avLst/>
-          </a:prstGeom>
-          <a:noFill/>
-        </p:spPr>
-        <p:txBody>
-          <a:bodyPr wrap="square" rtlCol="0">
-            <a:spAutoFit/>
-          </a:bodyPr>
-          <a:lstStyle/>
-          <a:p>
-            <a:r>
-              <a:rPr lang="en-US" dirty="0" err="1"/>
-              <a:t>Pertea</a:t>
-            </a:r>
-            <a:r>
-              <a:rPr lang="en-US" dirty="0"/>
-              <a:t> et al. Nature Protocols, 2016</a:t>
-            </a:r>
-          </a:p>
-        </p:txBody>
-      </p:sp>
-    </p:spTree>
-    <p:extLst>
-      <p:ext uri="{BB962C8B-B14F-4D97-AF65-F5344CB8AC3E}">
-        <p14:creationId xmlns:p14="http://schemas.microsoft.com/office/powerpoint/2010/main" val="1818525938"/>
-      </p:ext>
-    </p:extLst>
-  </p:cSld>
-  <p:clrMapOvr>
-    <a:masterClrMapping/>
-  </p:clrMapOvr>
-</p:sld>
-</file>
-
-<file path=ppt/slides/slide12.xml><?xml version="1.0" encoding="utf-8"?>
-<p:sld xmlns:a="http://schemas.openxmlformats.org/drawingml/2006/main" xmlns:r="http://schemas.openxmlformats.org/officeDocument/2006/relationships" xmlns:p="http://schemas.openxmlformats.org/presentationml/2006/main">
-  <p:cSld>
-    <p:spTree>
-      <p:nvGrpSpPr>
-        <p:cNvPr id="1" name=""/>
-        <p:cNvGrpSpPr/>
-        <p:nvPr/>
-      </p:nvGrpSpPr>
-      <p:grpSpPr>
-        <a:xfrm>
-          <a:off x="0" y="0"/>
-          <a:ext cx="0" cy="0"/>
-          <a:chOff x="0" y="0"/>
-          <a:chExt cx="0" cy="0"/>
-        </a:xfrm>
-      </p:grpSpPr>
-      <p:sp>
-        <p:nvSpPr>
-          <p:cNvPr id="2" name="Title 1"/>
-          <p:cNvSpPr>
-            <a:spLocks noGrp="1"/>
-          </p:cNvSpPr>
-          <p:nvPr>
-            <p:ph type="title"/>
-          </p:nvPr>
-        </p:nvSpPr>
-        <p:spPr>
-          <a:xfrm>
-            <a:off x="203200" y="0"/>
-            <a:ext cx="11785600" cy="1143000"/>
-          </a:xfrm>
-        </p:spPr>
-        <p:txBody>
-          <a:bodyPr/>
-          <a:lstStyle/>
-          <a:p>
-            <a:pPr algn="ctr"/>
-            <a:r>
-              <a:rPr lang="en-US" dirty="0" err="1"/>
-              <a:t>gffcompare</a:t>
-            </a:r>
-            <a:endParaRPr lang="en-US" dirty="0"/>
-          </a:p>
-        </p:txBody>
-      </p:sp>
-      <p:sp>
-        <p:nvSpPr>
-          <p:cNvPr id="3" name="Content Placeholder 2"/>
-          <p:cNvSpPr>
-            <a:spLocks noGrp="1"/>
-          </p:cNvSpPr>
-          <p:nvPr>
-            <p:ph idx="1"/>
-          </p:nvPr>
-        </p:nvSpPr>
-        <p:spPr/>
-        <p:txBody>
-          <a:bodyPr/>
-          <a:lstStyle/>
-          <a:p>
-            <a:r>
-              <a:rPr lang="en-US" dirty="0" err="1"/>
-              <a:t>gffcompare</a:t>
-            </a:r>
-            <a:r>
-              <a:rPr lang="en-US" dirty="0"/>
-              <a:t> will compare a merged transcript GTF with known annotation, also in GTF/GFF3 format</a:t>
-            </a:r>
-          </a:p>
-          <a:p>
-            <a:r>
-              <a:rPr lang="en-US" sz="1800" dirty="0">
-                <a:hlinkClick r:id="rId2"/>
-              </a:rPr>
-              <a:t>http://</a:t>
-            </a:r>
-            <a:r>
-              <a:rPr lang="en-US" sz="1800" dirty="0" err="1">
-                <a:hlinkClick r:id="rId2"/>
-              </a:rPr>
-              <a:t>cole-trapnell-lab.github.io</a:t>
-            </a:r>
-            <a:r>
-              <a:rPr lang="en-US" sz="1800" dirty="0">
-                <a:hlinkClick r:id="rId2"/>
-              </a:rPr>
-              <a:t>/cufflinks/</a:t>
-            </a:r>
-            <a:r>
-              <a:rPr lang="en-US" sz="1800" dirty="0" err="1">
-                <a:hlinkClick r:id="rId2"/>
-              </a:rPr>
-              <a:t>cuffcompare</a:t>
-            </a:r>
-            <a:r>
-              <a:rPr lang="en-US" sz="1800" dirty="0">
-                <a:hlinkClick r:id="rId2"/>
-              </a:rPr>
-              <a:t>/</a:t>
-            </a:r>
-            <a:r>
-              <a:rPr lang="en-US" sz="1800" dirty="0" err="1">
-                <a:hlinkClick r:id="rId2"/>
-              </a:rPr>
-              <a:t>index.html#cuffcompare-output-files</a:t>
-            </a:r>
-            <a:endParaRPr lang="en-US" sz="1800" dirty="0"/>
-          </a:p>
-          <a:p>
-            <a:endParaRPr lang="en-US" dirty="0"/>
-          </a:p>
-        </p:txBody>
-      </p:sp>
-      <p:pic>
-        <p:nvPicPr>
-          <p:cNvPr id="5" name="Content Placeholder 4" descr="Screen Shot 2016-11-15 at 8.31.40 AM.png"/>
-          <p:cNvPicPr>
-            <a:picLocks noGrp="1" noChangeAspect="1"/>
-          </p:cNvPicPr>
-          <p:nvPr>
-            <p:ph idx="10"/>
-          </p:nvPr>
-        </p:nvPicPr>
-        <p:blipFill>
-          <a:blip r:embed="rId3">
-            <a:extLst>
-              <a:ext uri="{28A0092B-C50C-407E-A947-70E740481C1C}">
-                <a14:useLocalDpi xmlns:a14="http://schemas.microsoft.com/office/drawing/2010/main" val="0"/>
-              </a:ext>
-            </a:extLst>
-          </a:blip>
-          <a:srcRect t="-8072" b="-8072"/>
-          <a:stretch>
-            <a:fillRect/>
-          </a:stretch>
-        </p:blipFill>
-        <p:spPr>
-          <a:xfrm>
-            <a:off x="6599820" y="1052736"/>
-            <a:ext cx="4846714" cy="5271864"/>
-          </a:xfrm>
-        </p:spPr>
-      </p:pic>
-    </p:spTree>
-    <p:extLst>
-      <p:ext uri="{BB962C8B-B14F-4D97-AF65-F5344CB8AC3E}">
-        <p14:creationId xmlns:p14="http://schemas.microsoft.com/office/powerpoint/2010/main" val="1420955540"/>
-      </p:ext>
-    </p:extLst>
-  </p:cSld>
-  <p:clrMapOvr>
-    <a:masterClrMapping/>
-  </p:clrMapOvr>
-</p:sld>
-</file>
-
-<file path=ppt/slides/slide2.xml><?xml version="1.0" encoding="utf-8"?>
-<p:sld xmlns:a="http://schemas.openxmlformats.org/drawingml/2006/main" xmlns:r="http://schemas.openxmlformats.org/officeDocument/2006/relationships" xmlns:p="http://schemas.openxmlformats.org/presentationml/2006/main">
-  <p:cSld>
-    <p:spTree>
-      <p:nvGrpSpPr>
-        <p:cNvPr id="1" name=""/>
-        <p:cNvGrpSpPr/>
-        <p:nvPr/>
-      </p:nvGrpSpPr>
-      <p:grpSpPr>
-        <a:xfrm>
-          <a:off x="0" y="0"/>
-          <a:ext cx="0" cy="0"/>
-          <a:chOff x="0" y="0"/>
-          <a:chExt cx="0" cy="0"/>
-        </a:xfrm>
-      </p:grpSpPr>
-      <p:pic>
-        <p:nvPicPr>
-          <p:cNvPr id="4" name="Content Placeholder 9" descr="Picture 1.png">
-            <a:extLst>
-              <a:ext uri="{FF2B5EF4-FFF2-40B4-BE49-F238E27FC236}">
-                <a16:creationId xmlns:a16="http://schemas.microsoft.com/office/drawing/2014/main" id="{548BE5EC-9575-1847-9F91-986B05624E52}"/>
-              </a:ext>
-            </a:extLst>
-          </p:cNvPr>
-          <p:cNvPicPr>
-            <a:picLocks noChangeAspect="1"/>
-          </p:cNvPicPr>
-          <p:nvPr/>
-        </p:nvPicPr>
-        <p:blipFill>
-          <a:blip r:embed="rId2">
-            <a:extLst>
-              <a:ext uri="{28A0092B-C50C-407E-A947-70E740481C1C}">
-                <a14:useLocalDpi xmlns:a14="http://schemas.microsoft.com/office/drawing/2010/main" val="0"/>
-              </a:ext>
-            </a:extLst>
-          </a:blip>
-          <a:srcRect/>
-          <a:stretch>
-            <a:fillRect/>
-          </a:stretch>
-        </p:blipFill>
-        <p:spPr>
-          <a:xfrm>
-            <a:off x="2822576" y="0"/>
-            <a:ext cx="6518495" cy="6400800"/>
-          </a:xfrm>
-          <a:prstGeom prst="rect">
-            <a:avLst/>
-          </a:prstGeom>
-        </p:spPr>
-      </p:pic>
-    </p:spTree>
-    <p:extLst>
-      <p:ext uri="{BB962C8B-B14F-4D97-AF65-F5344CB8AC3E}">
-        <p14:creationId xmlns:p14="http://schemas.microsoft.com/office/powerpoint/2010/main" val="1334057523"/>
-      </p:ext>
-    </p:extLst>
-  </p:cSld>
-  <p:clrMapOvr>
-    <a:masterClrMapping/>
-  </p:clrMapOvr>
-</p:sld>
-</file>
-
-<file path=ppt/slides/slide3.xml><?xml version="1.0" encoding="utf-8"?>
-<p:sld xmlns:a="http://schemas.openxmlformats.org/drawingml/2006/main" xmlns:r="http://schemas.openxmlformats.org/officeDocument/2006/relationships" xmlns:p="http://schemas.openxmlformats.org/presentationml/2006/main">
-  <p:cSld>
-    <p:spTree>
-      <p:nvGrpSpPr>
-        <p:cNvPr id="1" name=""/>
-        <p:cNvGrpSpPr/>
-        <p:nvPr/>
-      </p:nvGrpSpPr>
-      <p:grpSpPr>
-        <a:xfrm>
-          <a:off x="0" y="0"/>
-          <a:ext cx="0" cy="0"/>
-          <a:chOff x="0" y="0"/>
-          <a:chExt cx="0" cy="0"/>
-        </a:xfrm>
-      </p:grpSpPr>
-      <p:sp>
-        <p:nvSpPr>
           <p:cNvPr id="2" name="Title 1">
             <a:extLst>
               <a:ext uri="{FF2B5EF4-FFF2-40B4-BE49-F238E27FC236}">
@@ -6558,10 +5514,10 @@
                 <a:latin typeface="Calibri" charset="0"/>
                 <a:cs typeface="Segoe UI" charset="0"/>
               </a:rPr>
-              <a:t> Module 2</a:t>
+              <a:t> Module 9</a:t>
             </a:r>
             <a:br>
-              <a:rPr lang="en-US" sz="3600">
+              <a:rPr lang="en-US" sz="3600" dirty="0">
                 <a:solidFill>
                   <a:schemeClr val="bg1"/>
                 </a:solidFill>
@@ -6577,7 +5533,7 @@
                 <a:latin typeface="Calibri" charset="0"/>
                 <a:cs typeface="Segoe UI" charset="0"/>
               </a:rPr>
-              <a:t>Alignment</a:t>
+              <a:t>Abundance Estimation</a:t>
             </a:r>
             <a:endParaRPr lang="en-US" sz="3200" b="1" dirty="0">
               <a:solidFill>
@@ -6637,28 +5593,6 @@
                 <a:schemeClr val="bg1"/>
               </a:solidFill>
             </a:endParaRPr>
-          </a:p>
-          <a:p>
-            <a:pPr algn="r"/>
-            <a:r>
-              <a:rPr lang="en-US" dirty="0">
-                <a:solidFill>
-                  <a:schemeClr val="bg1"/>
-                </a:solidFill>
-              </a:rPr>
-              <a:t>High-Throughput Biology: From Sequence to Networks</a:t>
-            </a:r>
-          </a:p>
-          <a:p>
-            <a:pPr algn="r"/>
-            <a:r>
-              <a:rPr lang="en-US" dirty="0">
-                <a:solidFill>
-                  <a:schemeClr val="bg1"/>
-                </a:solidFill>
-              </a:rPr>
-              <a:t>March 11-17, 2019</a:t>
-            </a:r>
           </a:p>
         </p:txBody>
       </p:sp>
@@ -6798,14 +5732,14 @@
           </a:ln>
           <a:extLst>
             <a:ext uri="{909E8E84-426E-40dd-AFC4-6F175D3DCCD1}">
-              <a14:hiddenFill xmlns="" xmlns:a14="http://schemas.microsoft.com/office/drawing/2010/main">
+              <a14:hiddenFill xmlns:a14="http://schemas.microsoft.com/office/drawing/2010/main" xmlns="">
                 <a:solidFill>
                   <a:srgbClr val="FFFFFF"/>
                 </a:solidFill>
               </a14:hiddenFill>
             </a:ext>
             <a:ext uri="{91240B29-F687-4f45-9708-019B960494DF}">
-              <a14:hiddenLine xmlns="" xmlns:a14="http://schemas.microsoft.com/office/drawing/2010/main" w="9525">
+              <a14:hiddenLine xmlns:a14="http://schemas.microsoft.com/office/drawing/2010/main" xmlns="" w="9525">
                 <a:solidFill>
                   <a:srgbClr val="000000"/>
                 </a:solidFill>
@@ -6830,7 +5764,164 @@
 </p:sld>
 </file>
 
-<file path=ppt/slides/slide4.xml><?xml version="1.0" encoding="utf-8"?>
+<file path=ppt/slides/slide10.xml><?xml version="1.0" encoding="utf-8"?>
+<p:sld xmlns:a="http://schemas.openxmlformats.org/drawingml/2006/main" xmlns:r="http://schemas.openxmlformats.org/officeDocument/2006/relationships" xmlns:p="http://schemas.openxmlformats.org/presentationml/2006/main">
+  <p:cSld>
+    <p:spTree>
+      <p:nvGrpSpPr>
+        <p:cNvPr id="1" name=""/>
+        <p:cNvGrpSpPr/>
+        <p:nvPr/>
+      </p:nvGrpSpPr>
+      <p:grpSpPr>
+        <a:xfrm>
+          <a:off x="0" y="0"/>
+          <a:ext cx="0" cy="0"/>
+          <a:chOff x="0" y="0"/>
+          <a:chExt cx="0" cy="0"/>
+        </a:xfrm>
+      </p:grpSpPr>
+      <p:sp>
+        <p:nvSpPr>
+          <p:cNvPr id="2" name="Title 1"/>
+          <p:cNvSpPr>
+            <a:spLocks noGrp="1"/>
+          </p:cNvSpPr>
+          <p:nvPr>
+            <p:ph type="title"/>
+          </p:nvPr>
+        </p:nvSpPr>
+        <p:spPr>
+          <a:xfrm>
+            <a:off x="203200" y="0"/>
+            <a:ext cx="11785600" cy="1143000"/>
+          </a:xfrm>
+        </p:spPr>
+        <p:txBody>
+          <a:bodyPr/>
+          <a:lstStyle/>
+          <a:p>
+            <a:pPr algn="ctr"/>
+            <a:r>
+              <a:rPr lang="en-US" dirty="0" err="1"/>
+              <a:t>gffcompare</a:t>
+            </a:r>
+            <a:endParaRPr lang="en-US" dirty="0"/>
+          </a:p>
+        </p:txBody>
+      </p:sp>
+      <p:sp>
+        <p:nvSpPr>
+          <p:cNvPr id="3" name="Content Placeholder 2"/>
+          <p:cNvSpPr>
+            <a:spLocks noGrp="1"/>
+          </p:cNvSpPr>
+          <p:nvPr>
+            <p:ph idx="1"/>
+          </p:nvPr>
+        </p:nvSpPr>
+        <p:spPr/>
+        <p:txBody>
+          <a:bodyPr/>
+          <a:lstStyle/>
+          <a:p>
+            <a:r>
+              <a:rPr lang="en-US" dirty="0" err="1"/>
+              <a:t>gffcompare</a:t>
+            </a:r>
+            <a:r>
+              <a:rPr lang="en-US" dirty="0"/>
+              <a:t> will compare a merged transcript GTF with known annotation, also in GTF/GFF3 format</a:t>
+            </a:r>
+          </a:p>
+          <a:p>
+            <a:r>
+              <a:rPr lang="en-US" sz="1800" dirty="0">
+                <a:hlinkClick r:id="rId2"/>
+              </a:rPr>
+              <a:t>http://</a:t>
+            </a:r>
+            <a:r>
+              <a:rPr lang="en-US" sz="1800" dirty="0" err="1">
+                <a:hlinkClick r:id="rId2"/>
+              </a:rPr>
+              <a:t>cole-trapnell-lab.github.io</a:t>
+            </a:r>
+            <a:r>
+              <a:rPr lang="en-US" sz="1800" dirty="0">
+                <a:hlinkClick r:id="rId2"/>
+              </a:rPr>
+              <a:t>/cufflinks/</a:t>
+            </a:r>
+            <a:r>
+              <a:rPr lang="en-US" sz="1800" dirty="0" err="1">
+                <a:hlinkClick r:id="rId2"/>
+              </a:rPr>
+              <a:t>cuffcompare</a:t>
+            </a:r>
+            <a:r>
+              <a:rPr lang="en-US" sz="1800" dirty="0">
+                <a:hlinkClick r:id="rId2"/>
+              </a:rPr>
+              <a:t>/</a:t>
+            </a:r>
+            <a:r>
+              <a:rPr lang="en-US" sz="1800" dirty="0" err="1">
+                <a:hlinkClick r:id="rId2"/>
+              </a:rPr>
+              <a:t>index.html#cuffcompare-output-files</a:t>
+            </a:r>
+            <a:endParaRPr lang="en-US" sz="1800" dirty="0"/>
+          </a:p>
+          <a:p>
+            <a:endParaRPr lang="en-US" dirty="0"/>
+          </a:p>
+        </p:txBody>
+      </p:sp>
+      <p:pic>
+        <p:nvPicPr>
+          <p:cNvPr id="5" name="Content Placeholder 4" descr="Screen Shot 2016-11-15 at 8.31.40 AM.png"/>
+          <p:cNvPicPr>
+            <a:picLocks noGrp="1" noChangeAspect="1"/>
+          </p:cNvPicPr>
+          <p:nvPr>
+            <p:ph idx="10"/>
+          </p:nvPr>
+        </p:nvPicPr>
+        <p:blipFill>
+          <a:blip r:embed="rId3">
+            <a:extLst>
+              <a:ext uri="{28A0092B-C50C-407E-A947-70E740481C1C}">
+                <a14:useLocalDpi xmlns:a14="http://schemas.microsoft.com/office/drawing/2010/main" val="0"/>
+              </a:ext>
+            </a:extLst>
+          </a:blip>
+          <a:srcRect t="-8072" b="-8072"/>
+          <a:stretch>
+            <a:fillRect/>
+          </a:stretch>
+        </p:blipFill>
+        <p:spPr>
+          <a:xfrm>
+            <a:off x="6599820" y="1052736"/>
+            <a:ext cx="4846714" cy="5271864"/>
+          </a:xfrm>
+        </p:spPr>
+      </p:pic>
+    </p:spTree>
+    <p:extLst>
+      <p:ext uri="{BB962C8B-B14F-4D97-AF65-F5344CB8AC3E}">
+        <p14:creationId xmlns:p14="http://schemas.microsoft.com/office/powerpoint/2010/main" val="1420955540"/>
+      </p:ext>
+    </p:extLst>
+  </p:cSld>
+  <p:clrMapOvr>
+    <a:masterClrMapping/>
+  </p:clrMapOvr>
+</p:sld>
+</file>
+
+<file path=ppt/slides/slide2.xml><?xml version="1.0" encoding="utf-8"?>
 <p:sld xmlns:a="http://schemas.openxmlformats.org/drawingml/2006/main" xmlns:r="http://schemas.openxmlformats.org/officeDocument/2006/relationships" xmlns:p="http://schemas.openxmlformats.org/presentationml/2006/main">
   <p:cSld>
     <p:spTree>
@@ -6938,14 +6029,14 @@
           </a:ln>
           <a:extLst>
             <a:ext uri="{909E8E84-426E-40dd-AFC4-6F175D3DCCD1}">
-              <a14:hiddenFill xmlns:a14="http://schemas.microsoft.com/office/drawing/2010/main" xmlns="">
+              <a14:hiddenFill xmlns="" xmlns:a14="http://schemas.microsoft.com/office/drawing/2010/main">
                 <a:solidFill>
                   <a:srgbClr val="FFFFFF"/>
                 </a:solidFill>
               </a14:hiddenFill>
             </a:ext>
             <a:ext uri="{91240B29-F687-4f45-9708-019B960494DF}">
-              <a14:hiddenLine xmlns:a14="http://schemas.microsoft.com/office/drawing/2010/main" xmlns="" w="9525">
+              <a14:hiddenLine xmlns="" xmlns:a14="http://schemas.microsoft.com/office/drawing/2010/main" w="9525">
                 <a:solidFill>
                   <a:srgbClr val="000000"/>
                 </a:solidFill>
@@ -7135,14 +6226,14 @@
           </a:ln>
           <a:extLst>
             <a:ext uri="{909E8E84-426E-40dd-AFC4-6F175D3DCCD1}">
-              <a14:hiddenFill xmlns:a14="http://schemas.microsoft.com/office/drawing/2010/main" xmlns="">
+              <a14:hiddenFill xmlns="" xmlns:a14="http://schemas.microsoft.com/office/drawing/2010/main">
                 <a:solidFill>
                   <a:srgbClr val="FFFFFF"/>
                 </a:solidFill>
               </a14:hiddenFill>
             </a:ext>
             <a:ext uri="{91240B29-F687-4f45-9708-019B960494DF}">
-              <a14:hiddenLine xmlns:a14="http://schemas.microsoft.com/office/drawing/2010/main" xmlns="" w="9525">
+              <a14:hiddenLine xmlns="" xmlns:a14="http://schemas.microsoft.com/office/drawing/2010/main" w="9525">
                 <a:solidFill>
                   <a:srgbClr val="000000"/>
                 </a:solidFill>
@@ -7315,7 +6406,7 @@
 </p:sld>
 </file>
 
-<file path=ppt/slides/slide5.xml><?xml version="1.0" encoding="utf-8"?>
+<file path=ppt/slides/slide3.xml><?xml version="1.0" encoding="utf-8"?>
 <p:sld xmlns:a="http://schemas.openxmlformats.org/drawingml/2006/main" xmlns:r="http://schemas.openxmlformats.org/officeDocument/2006/relationships" xmlns:p="http://schemas.openxmlformats.org/presentationml/2006/main">
   <p:cSld>
     <p:spTree>
@@ -7470,7 +6561,7 @@
 </p:sld>
 </file>
 
-<file path=ppt/slides/slide6.xml><?xml version="1.0" encoding="utf-8"?>
+<file path=ppt/slides/slide4.xml><?xml version="1.0" encoding="utf-8"?>
 <p:sld xmlns:a="http://schemas.openxmlformats.org/drawingml/2006/main" xmlns:r="http://schemas.openxmlformats.org/officeDocument/2006/relationships" xmlns:p="http://schemas.openxmlformats.org/presentationml/2006/main">
   <p:cSld>
     <p:spTree>
@@ -7892,6 +6983,807 @@
 </p:sld>
 </file>
 
+<file path=ppt/slides/slide5.xml><?xml version="1.0" encoding="utf-8"?>
+<p:sld xmlns:a="http://schemas.openxmlformats.org/drawingml/2006/main" xmlns:r="http://schemas.openxmlformats.org/officeDocument/2006/relationships" xmlns:p="http://schemas.openxmlformats.org/presentationml/2006/main">
+  <p:cSld>
+    <p:spTree>
+      <p:nvGrpSpPr>
+        <p:cNvPr id="1" name=""/>
+        <p:cNvGrpSpPr/>
+        <p:nvPr/>
+      </p:nvGrpSpPr>
+      <p:grpSpPr>
+        <a:xfrm>
+          <a:off x="0" y="0"/>
+          <a:ext cx="0" cy="0"/>
+          <a:chOff x="0" y="0"/>
+          <a:chExt cx="0" cy="0"/>
+        </a:xfrm>
+      </p:grpSpPr>
+      <p:sp>
+        <p:nvSpPr>
+          <p:cNvPr id="28673" name="Title 1"/>
+          <p:cNvSpPr>
+            <a:spLocks noGrp="1"/>
+          </p:cNvSpPr>
+          <p:nvPr>
+            <p:ph type="title"/>
+          </p:nvPr>
+        </p:nvSpPr>
+        <p:spPr>
+          <a:xfrm>
+            <a:off x="1676400" y="-27384"/>
+            <a:ext cx="8839200" cy="1143000"/>
+          </a:xfrm>
+        </p:spPr>
+        <p:txBody>
+          <a:bodyPr/>
+          <a:lstStyle/>
+          <a:p>
+            <a:pPr algn="ctr"/>
+            <a:r>
+              <a:rPr lang="en-US" b="1" dirty="0">
+                <a:latin typeface="Calibri" charset="0"/>
+                <a:ea typeface="ＭＳ Ｐゴシック" charset="0"/>
+              </a:rPr>
+              <a:t>What is FPKM</a:t>
+            </a:r>
+          </a:p>
+        </p:txBody>
+      </p:sp>
+      <p:sp>
+        <p:nvSpPr>
+          <p:cNvPr id="28674" name="Content Placeholder 2"/>
+          <p:cNvSpPr>
+            <a:spLocks noGrp="1"/>
+          </p:cNvSpPr>
+          <p:nvPr>
+            <p:ph idx="1"/>
+          </p:nvPr>
+        </p:nvSpPr>
+        <p:spPr>
+          <a:xfrm>
+            <a:off x="696685" y="1340768"/>
+            <a:ext cx="10354491" cy="4983832"/>
+          </a:xfrm>
+        </p:spPr>
+        <p:txBody>
+          <a:bodyPr wrap="square">
+            <a:normAutofit/>
+          </a:bodyPr>
+          <a:lstStyle/>
+          <a:p>
+            <a:r>
+              <a:rPr lang="en-US" dirty="0">
+                <a:latin typeface="Calibri" charset="0"/>
+                <a:ea typeface="ＭＳ Ｐゴシック" charset="0"/>
+              </a:rPr>
+              <a:t>FPKM attempts to normalize for gene size and library depth</a:t>
+            </a:r>
+          </a:p>
+          <a:p>
+            <a:pPr lvl="2"/>
+            <a:r>
+              <a:rPr lang="en-US" dirty="0">
+                <a:latin typeface="Calibri" charset="0"/>
+                <a:ea typeface="ＭＳ Ｐゴシック" charset="0"/>
+              </a:rPr>
+              <a:t>remember – RPKM is the same!</a:t>
+            </a:r>
+          </a:p>
+          <a:p>
+            <a:endParaRPr lang="nl-NL" dirty="0">
+              <a:latin typeface="Calibri" charset="0"/>
+              <a:ea typeface="ＭＳ Ｐゴシック" charset="0"/>
+            </a:endParaRPr>
+          </a:p>
+          <a:p>
+            <a:r>
+              <a:rPr lang="nl-NL" dirty="0">
+                <a:latin typeface="Calibri" charset="0"/>
+                <a:ea typeface="ＭＳ Ｐゴシック" charset="0"/>
+              </a:rPr>
+              <a:t>FPKM = (10^9 * C) / (N * L)</a:t>
+            </a:r>
+            <a:r>
+              <a:rPr lang="en-US" dirty="0">
+                <a:latin typeface="Calibri" charset="0"/>
+                <a:ea typeface="ＭＳ Ｐゴシック" charset="0"/>
+              </a:rPr>
+              <a:t> </a:t>
+            </a:r>
+          </a:p>
+          <a:p>
+            <a:pPr lvl="1"/>
+            <a:r>
+              <a:rPr lang="en-US" dirty="0">
+                <a:latin typeface="Calibri" charset="0"/>
+                <a:ea typeface="ＭＳ Ｐゴシック" charset="0"/>
+              </a:rPr>
+              <a:t>C = number of </a:t>
+            </a:r>
+            <a:r>
+              <a:rPr lang="en-US" dirty="0" err="1">
+                <a:latin typeface="Calibri" charset="0"/>
+                <a:ea typeface="ＭＳ Ｐゴシック" charset="0"/>
+              </a:rPr>
+              <a:t>mappable</a:t>
+            </a:r>
+            <a:r>
+              <a:rPr lang="en-US" dirty="0">
+                <a:latin typeface="Calibri" charset="0"/>
+                <a:ea typeface="ＭＳ Ｐゴシック" charset="0"/>
+              </a:rPr>
+              <a:t> reads/fragments for a gene/transcript/exon/</a:t>
+            </a:r>
+            <a:r>
+              <a:rPr lang="en-US" dirty="0" err="1">
+                <a:latin typeface="Calibri" charset="0"/>
+                <a:ea typeface="ＭＳ Ｐゴシック" charset="0"/>
+              </a:rPr>
+              <a:t>etc</a:t>
+            </a:r>
+            <a:endParaRPr lang="en-US" dirty="0">
+              <a:latin typeface="Calibri" charset="0"/>
+              <a:ea typeface="ＭＳ Ｐゴシック" charset="0"/>
+            </a:endParaRPr>
+          </a:p>
+          <a:p>
+            <a:pPr lvl="1"/>
+            <a:r>
+              <a:rPr lang="en-US" dirty="0">
+                <a:latin typeface="Calibri" charset="0"/>
+                <a:ea typeface="ＭＳ Ｐゴシック" charset="0"/>
+              </a:rPr>
+              <a:t>N = total number of </a:t>
+            </a:r>
+            <a:r>
+              <a:rPr lang="en-US" dirty="0" err="1">
+                <a:latin typeface="Calibri" charset="0"/>
+                <a:ea typeface="ＭＳ Ｐゴシック" charset="0"/>
+              </a:rPr>
+              <a:t>mappable</a:t>
+            </a:r>
+            <a:r>
+              <a:rPr lang="en-US" dirty="0">
+                <a:latin typeface="Calibri" charset="0"/>
+                <a:ea typeface="ＭＳ Ｐゴシック" charset="0"/>
+              </a:rPr>
+              <a:t> reads/fragments in the library </a:t>
+            </a:r>
+          </a:p>
+          <a:p>
+            <a:pPr lvl="1"/>
+            <a:r>
+              <a:rPr lang="en-US" dirty="0">
+                <a:latin typeface="Calibri" charset="0"/>
+                <a:ea typeface="ＭＳ Ｐゴシック" charset="0"/>
+              </a:rPr>
+              <a:t>L = number of base pairs in the gene/transcript/exon/</a:t>
+            </a:r>
+            <a:r>
+              <a:rPr lang="en-US" dirty="0" err="1">
+                <a:latin typeface="Calibri" charset="0"/>
+                <a:ea typeface="ＭＳ Ｐゴシック" charset="0"/>
+              </a:rPr>
+              <a:t>etc</a:t>
+            </a:r>
+            <a:endParaRPr lang="en-US" dirty="0">
+              <a:latin typeface="Calibri" charset="0"/>
+              <a:ea typeface="ＭＳ Ｐゴシック" charset="0"/>
+            </a:endParaRPr>
+          </a:p>
+          <a:p>
+            <a:pPr marL="457200" lvl="1" indent="0">
+              <a:buNone/>
+            </a:pPr>
+            <a:br>
+              <a:rPr lang="en-US" dirty="0">
+                <a:latin typeface="Calibri" charset="0"/>
+                <a:ea typeface="ＭＳ Ｐゴシック" charset="0"/>
+              </a:rPr>
+            </a:br>
+            <a:endParaRPr lang="en-US" dirty="0">
+              <a:latin typeface="Calibri" charset="0"/>
+              <a:ea typeface="ＭＳ Ｐゴシック" charset="0"/>
+            </a:endParaRPr>
+          </a:p>
+          <a:p>
+            <a:r>
+              <a:rPr lang="en-US" sz="2000" dirty="0">
+                <a:latin typeface="Calibri" charset="0"/>
+                <a:ea typeface="ＭＳ Ｐゴシック" charset="0"/>
+              </a:rPr>
+              <a:t>More reading:</a:t>
+            </a:r>
+          </a:p>
+          <a:p>
+            <a:pPr lvl="1"/>
+            <a:r>
+              <a:rPr lang="en-US" sz="1600" dirty="0">
+                <a:latin typeface="Calibri" charset="0"/>
+                <a:ea typeface="ＭＳ Ｐゴシック" charset="0"/>
+                <a:hlinkClick r:id="rId3"/>
+              </a:rPr>
+              <a:t>http://www.biostars.org/p/11378/</a:t>
+            </a:r>
+            <a:endParaRPr lang="en-US" sz="1600" dirty="0">
+              <a:latin typeface="Calibri" charset="0"/>
+              <a:ea typeface="ＭＳ Ｐゴシック" charset="0"/>
+            </a:endParaRPr>
+          </a:p>
+          <a:p>
+            <a:pPr lvl="1"/>
+            <a:r>
+              <a:rPr lang="en-US" sz="1600" dirty="0">
+                <a:latin typeface="Calibri" charset="0"/>
+                <a:ea typeface="ＭＳ Ｐゴシック" charset="0"/>
+                <a:hlinkClick r:id="rId4"/>
+              </a:rPr>
+              <a:t>http://www.biostars.org/p/68126/</a:t>
+            </a:r>
+            <a:endParaRPr lang="en-US" sz="1600" dirty="0">
+              <a:latin typeface="Calibri" charset="0"/>
+              <a:ea typeface="ＭＳ Ｐゴシック" charset="0"/>
+            </a:endParaRPr>
+          </a:p>
+          <a:p>
+            <a:endParaRPr lang="en-US" dirty="0">
+              <a:latin typeface="Calibri" charset="0"/>
+              <a:ea typeface="ＭＳ Ｐゴシック" charset="0"/>
+            </a:endParaRPr>
+          </a:p>
+        </p:txBody>
+      </p:sp>
+    </p:spTree>
+    <p:extLst>
+      <p:ext uri="{BB962C8B-B14F-4D97-AF65-F5344CB8AC3E}">
+        <p14:creationId xmlns:p14="http://schemas.microsoft.com/office/powerpoint/2010/main" val="4017283522"/>
+      </p:ext>
+    </p:extLst>
+  </p:cSld>
+  <p:clrMapOvr>
+    <a:masterClrMapping/>
+  </p:clrMapOvr>
+</p:sld>
+</file>
+
+<file path=ppt/slides/slide6.xml><?xml version="1.0" encoding="utf-8"?>
+<p:sld xmlns:a="http://schemas.openxmlformats.org/drawingml/2006/main" xmlns:r="http://schemas.openxmlformats.org/officeDocument/2006/relationships" xmlns:p="http://schemas.openxmlformats.org/presentationml/2006/main">
+  <p:cSld>
+    <p:spTree>
+      <p:nvGrpSpPr>
+        <p:cNvPr id="1" name=""/>
+        <p:cNvGrpSpPr/>
+        <p:nvPr/>
+      </p:nvGrpSpPr>
+      <p:grpSpPr>
+        <a:xfrm>
+          <a:off x="0" y="0"/>
+          <a:ext cx="0" cy="0"/>
+          <a:chOff x="0" y="0"/>
+          <a:chExt cx="0" cy="0"/>
+        </a:xfrm>
+      </p:grpSpPr>
+      <p:sp>
+        <p:nvSpPr>
+          <p:cNvPr id="2" name="Title 1"/>
+          <p:cNvSpPr>
+            <a:spLocks noGrp="1"/>
+          </p:cNvSpPr>
+          <p:nvPr>
+            <p:ph type="title"/>
+          </p:nvPr>
+        </p:nvSpPr>
+        <p:spPr>
+          <a:xfrm>
+            <a:off x="1676400" y="-27384"/>
+            <a:ext cx="8839200" cy="1143000"/>
+          </a:xfrm>
+        </p:spPr>
+        <p:txBody>
+          <a:bodyPr/>
+          <a:lstStyle/>
+          <a:p>
+            <a:pPr algn="ctr"/>
+            <a:r>
+              <a:rPr lang="en-US" b="1" dirty="0">
+                <a:latin typeface="Calibri" panose="020F0502020204030204" pitchFamily="34" charset="0"/>
+                <a:cs typeface="Calibri" panose="020F0502020204030204" pitchFamily="34" charset="0"/>
+              </a:rPr>
+              <a:t>How do FPKM and TPM differ?</a:t>
+            </a:r>
+          </a:p>
+        </p:txBody>
+      </p:sp>
+      <p:sp>
+        <p:nvSpPr>
+          <p:cNvPr id="3" name="Content Placeholder 2"/>
+          <p:cNvSpPr>
+            <a:spLocks noGrp="1"/>
+          </p:cNvSpPr>
+          <p:nvPr>
+            <p:ph idx="1"/>
+          </p:nvPr>
+        </p:nvSpPr>
+        <p:spPr>
+          <a:xfrm>
+            <a:off x="1027611" y="994089"/>
+            <a:ext cx="10180320" cy="1043690"/>
+          </a:xfrm>
+        </p:spPr>
+        <p:txBody>
+          <a:bodyPr>
+            <a:normAutofit/>
+          </a:bodyPr>
+          <a:lstStyle/>
+          <a:p>
+            <a:r>
+              <a:rPr lang="en-US" sz="2400" dirty="0"/>
+              <a:t>TPM: Transcript per Kilobase Million</a:t>
+            </a:r>
+          </a:p>
+          <a:p>
+            <a:r>
+              <a:rPr lang="en-US" sz="2400" dirty="0"/>
+              <a:t>The difference is in the order of operations:</a:t>
+            </a:r>
+          </a:p>
+        </p:txBody>
+      </p:sp>
+      <p:sp>
+        <p:nvSpPr>
+          <p:cNvPr id="4" name="Content Placeholder 2">
+            <a:extLst>
+              <a:ext uri="{FF2B5EF4-FFF2-40B4-BE49-F238E27FC236}">
+                <a16:creationId xmlns:a16="http://schemas.microsoft.com/office/drawing/2014/main" id="{54F92D20-8AE2-DA44-A7D0-C91F848950E1}"/>
+              </a:ext>
+            </a:extLst>
+          </p:cNvPr>
+          <p:cNvSpPr txBox="1">
+            <a:spLocks/>
+          </p:cNvSpPr>
+          <p:nvPr/>
+        </p:nvSpPr>
+        <p:spPr>
+          <a:xfrm>
+            <a:off x="927462" y="5011814"/>
+            <a:ext cx="10180320" cy="1371571"/>
+          </a:xfrm>
+          <a:prstGeom prst="rect">
+            <a:avLst/>
+          </a:prstGeom>
+        </p:spPr>
+        <p:txBody>
+          <a:bodyPr vert="horz" lIns="91440" tIns="45720" rIns="91440" bIns="45720" rtlCol="0">
+            <a:normAutofit fontScale="40000" lnSpcReduction="20000"/>
+          </a:bodyPr>
+          <a:lstStyle>
+            <a:lvl1pPr marL="228600" indent="-228600" algn="l" defTabSz="914400" rtl="0" eaLnBrk="1" latinLnBrk="0" hangingPunct="1">
+              <a:lnSpc>
+                <a:spcPct val="90000"/>
+              </a:lnSpc>
+              <a:spcBef>
+                <a:spcPts val="1000"/>
+              </a:spcBef>
+              <a:buFont typeface="Arial" panose="020B0604020202020204" pitchFamily="34" charset="0"/>
+              <a:buChar char="•"/>
+              <a:defRPr sz="2800" kern="1200">
+                <a:solidFill>
+                  <a:schemeClr val="tx1"/>
+                </a:solidFill>
+                <a:latin typeface="+mn-lt"/>
+                <a:ea typeface="+mn-ea"/>
+                <a:cs typeface="+mn-cs"/>
+              </a:defRPr>
+            </a:lvl1pPr>
+            <a:lvl2pPr marL="685800" indent="-228600" algn="l" defTabSz="914400" rtl="0" eaLnBrk="1" latinLnBrk="0" hangingPunct="1">
+              <a:lnSpc>
+                <a:spcPct val="90000"/>
+              </a:lnSpc>
+              <a:spcBef>
+                <a:spcPts val="500"/>
+              </a:spcBef>
+              <a:buFont typeface="Arial" panose="020B0604020202020204" pitchFamily="34" charset="0"/>
+              <a:buChar char="•"/>
+              <a:defRPr sz="2400" kern="1200">
+                <a:solidFill>
+                  <a:schemeClr val="tx1"/>
+                </a:solidFill>
+                <a:latin typeface="+mn-lt"/>
+                <a:ea typeface="+mn-ea"/>
+                <a:cs typeface="+mn-cs"/>
+              </a:defRPr>
+            </a:lvl2pPr>
+            <a:lvl3pPr marL="1143000" indent="-228600" algn="l" defTabSz="914400" rtl="0" eaLnBrk="1" latinLnBrk="0" hangingPunct="1">
+              <a:lnSpc>
+                <a:spcPct val="90000"/>
+              </a:lnSpc>
+              <a:spcBef>
+                <a:spcPts val="500"/>
+              </a:spcBef>
+              <a:buFont typeface="Arial" panose="020B0604020202020204" pitchFamily="34" charset="0"/>
+              <a:buChar char="•"/>
+              <a:defRPr sz="2000" kern="1200">
+                <a:solidFill>
+                  <a:schemeClr val="tx1"/>
+                </a:solidFill>
+                <a:latin typeface="+mn-lt"/>
+                <a:ea typeface="+mn-ea"/>
+                <a:cs typeface="+mn-cs"/>
+              </a:defRPr>
+            </a:lvl3pPr>
+            <a:lvl4pPr marL="1600200" indent="-228600" algn="l" defTabSz="914400" rtl="0" eaLnBrk="1" latinLnBrk="0" hangingPunct="1">
+              <a:lnSpc>
+                <a:spcPct val="90000"/>
+              </a:lnSpc>
+              <a:spcBef>
+                <a:spcPts val="500"/>
+              </a:spcBef>
+              <a:buFont typeface="Arial" panose="020B0604020202020204" pitchFamily="34" charset="0"/>
+              <a:buChar char="•"/>
+              <a:defRPr sz="1800" kern="1200">
+                <a:solidFill>
+                  <a:schemeClr val="tx1"/>
+                </a:solidFill>
+                <a:latin typeface="+mn-lt"/>
+                <a:ea typeface="+mn-ea"/>
+                <a:cs typeface="+mn-cs"/>
+              </a:defRPr>
+            </a:lvl4pPr>
+            <a:lvl5pPr marL="2057400" indent="-228600" algn="l" defTabSz="914400" rtl="0" eaLnBrk="1" latinLnBrk="0" hangingPunct="1">
+              <a:lnSpc>
+                <a:spcPct val="90000"/>
+              </a:lnSpc>
+              <a:spcBef>
+                <a:spcPts val="500"/>
+              </a:spcBef>
+              <a:buFont typeface="Arial" panose="020B0604020202020204" pitchFamily="34" charset="0"/>
+              <a:buChar char="•"/>
+              <a:defRPr sz="1800" kern="1200">
+                <a:solidFill>
+                  <a:schemeClr val="tx1"/>
+                </a:solidFill>
+                <a:latin typeface="+mn-lt"/>
+                <a:ea typeface="+mn-ea"/>
+                <a:cs typeface="+mn-cs"/>
+              </a:defRPr>
+            </a:lvl5pPr>
+            <a:lvl6pPr marL="2514600" indent="-228600" algn="l" defTabSz="914400" rtl="0" eaLnBrk="1" latinLnBrk="0" hangingPunct="1">
+              <a:lnSpc>
+                <a:spcPct val="90000"/>
+              </a:lnSpc>
+              <a:spcBef>
+                <a:spcPts val="500"/>
+              </a:spcBef>
+              <a:buFont typeface="Arial" panose="020B0604020202020204" pitchFamily="34" charset="0"/>
+              <a:buChar char="•"/>
+              <a:defRPr sz="1800" kern="1200">
+                <a:solidFill>
+                  <a:schemeClr val="tx1"/>
+                </a:solidFill>
+                <a:latin typeface="+mn-lt"/>
+                <a:ea typeface="+mn-ea"/>
+                <a:cs typeface="+mn-cs"/>
+              </a:defRPr>
+            </a:lvl6pPr>
+            <a:lvl7pPr marL="2971800" indent="-228600" algn="l" defTabSz="914400" rtl="0" eaLnBrk="1" latinLnBrk="0" hangingPunct="1">
+              <a:lnSpc>
+                <a:spcPct val="90000"/>
+              </a:lnSpc>
+              <a:spcBef>
+                <a:spcPts val="500"/>
+              </a:spcBef>
+              <a:buFont typeface="Arial" panose="020B0604020202020204" pitchFamily="34" charset="0"/>
+              <a:buChar char="•"/>
+              <a:defRPr sz="1800" kern="1200">
+                <a:solidFill>
+                  <a:schemeClr val="tx1"/>
+                </a:solidFill>
+                <a:latin typeface="+mn-lt"/>
+                <a:ea typeface="+mn-ea"/>
+                <a:cs typeface="+mn-cs"/>
+              </a:defRPr>
+            </a:lvl7pPr>
+            <a:lvl8pPr marL="3429000" indent="-228600" algn="l" defTabSz="914400" rtl="0" eaLnBrk="1" latinLnBrk="0" hangingPunct="1">
+              <a:lnSpc>
+                <a:spcPct val="90000"/>
+              </a:lnSpc>
+              <a:spcBef>
+                <a:spcPts val="500"/>
+              </a:spcBef>
+              <a:buFont typeface="Arial" panose="020B0604020202020204" pitchFamily="34" charset="0"/>
+              <a:buChar char="•"/>
+              <a:defRPr sz="1800" kern="1200">
+                <a:solidFill>
+                  <a:schemeClr val="tx1"/>
+                </a:solidFill>
+                <a:latin typeface="+mn-lt"/>
+                <a:ea typeface="+mn-ea"/>
+                <a:cs typeface="+mn-cs"/>
+              </a:defRPr>
+            </a:lvl8pPr>
+            <a:lvl9pPr marL="3886200" indent="-228600" algn="l" defTabSz="914400" rtl="0" eaLnBrk="1" latinLnBrk="0" hangingPunct="1">
+              <a:lnSpc>
+                <a:spcPct val="90000"/>
+              </a:lnSpc>
+              <a:spcBef>
+                <a:spcPts val="500"/>
+              </a:spcBef>
+              <a:buFont typeface="Arial" panose="020B0604020202020204" pitchFamily="34" charset="0"/>
+              <a:buChar char="•"/>
+              <a:defRPr sz="1800" kern="1200">
+                <a:solidFill>
+                  <a:schemeClr val="tx1"/>
+                </a:solidFill>
+                <a:latin typeface="+mn-lt"/>
+                <a:ea typeface="+mn-ea"/>
+                <a:cs typeface="+mn-cs"/>
+              </a:defRPr>
+            </a:lvl9pPr>
+          </a:lstStyle>
+          <a:p>
+            <a:pPr marL="914400" lvl="2" indent="0">
+              <a:buNone/>
+            </a:pPr>
+            <a:endParaRPr lang="en-US" dirty="0"/>
+          </a:p>
+          <a:p>
+            <a:r>
+              <a:rPr lang="en-US" sz="4400" dirty="0"/>
+              <a:t>The sum of all TPMs in each sample is the same. Easier to compare across samples!</a:t>
+            </a:r>
+            <a:br>
+              <a:rPr lang="en-US" sz="4400" dirty="0"/>
+            </a:br>
+            <a:endParaRPr lang="en-US" sz="4400" dirty="0">
+              <a:hlinkClick r:id="rId3"/>
+            </a:endParaRPr>
+          </a:p>
+          <a:p>
+            <a:r>
+              <a:rPr lang="en-US" sz="3500" dirty="0">
+                <a:hlinkClick r:id="rId3"/>
+              </a:rPr>
+              <a:t>http://www.rna-seqblog.com/rpkm-fpkm-and-tpm-clearly-explained/</a:t>
+            </a:r>
+            <a:endParaRPr lang="en-US" sz="3500" dirty="0"/>
+          </a:p>
+          <a:p>
+            <a:r>
+              <a:rPr lang="en-US" sz="3500" dirty="0">
+                <a:hlinkClick r:id="rId4"/>
+              </a:rPr>
+              <a:t>https://www.ncbi.nlm.nih.gov/pubmed/22872506</a:t>
+            </a:r>
+            <a:r>
+              <a:rPr lang="en-US" sz="3500" dirty="0"/>
+              <a:t> </a:t>
+            </a:r>
+          </a:p>
+        </p:txBody>
+      </p:sp>
+      <p:sp>
+        <p:nvSpPr>
+          <p:cNvPr id="6" name="TextBox 5">
+            <a:extLst>
+              <a:ext uri="{FF2B5EF4-FFF2-40B4-BE49-F238E27FC236}">
+                <a16:creationId xmlns:a16="http://schemas.microsoft.com/office/drawing/2014/main" id="{4F402C60-59F1-1B44-B621-7F0D62AD1900}"/>
+              </a:ext>
+            </a:extLst>
+          </p:cNvPr>
+          <p:cNvSpPr txBox="1"/>
+          <p:nvPr/>
+        </p:nvSpPr>
+        <p:spPr>
+          <a:xfrm>
+            <a:off x="818605" y="2172339"/>
+            <a:ext cx="4380412" cy="2708434"/>
+          </a:xfrm>
+          <a:prstGeom prst="rect">
+            <a:avLst/>
+          </a:prstGeom>
+          <a:noFill/>
+          <a:ln>
+            <a:solidFill>
+              <a:schemeClr val="bg1">
+                <a:lumMod val="65000"/>
+              </a:schemeClr>
+            </a:solidFill>
+          </a:ln>
+        </p:spPr>
+        <p:txBody>
+          <a:bodyPr wrap="square" rtlCol="0">
+            <a:spAutoFit/>
+          </a:bodyPr>
+          <a:lstStyle/>
+          <a:p>
+            <a:r>
+              <a:rPr lang="en-US" b="1" dirty="0"/>
+              <a:t>FPKM</a:t>
+            </a:r>
+            <a:br>
+              <a:rPr lang="en-US" sz="1000" b="1" dirty="0"/>
+            </a:br>
+            <a:endParaRPr lang="en-US" sz="1000" b="1" dirty="0"/>
+          </a:p>
+          <a:p>
+            <a:r>
+              <a:rPr lang="en-US" sz="1600" dirty="0"/>
+              <a:t>1) Determine total fragment count, divide by 1,000,000 </a:t>
+            </a:r>
+            <a:r>
+              <a:rPr lang="en-US" sz="1400" dirty="0">
+                <a:solidFill>
+                  <a:schemeClr val="bg2">
+                    <a:lumMod val="50000"/>
+                  </a:schemeClr>
+                </a:solidFill>
+              </a:rPr>
+              <a:t>(per Million)</a:t>
+            </a:r>
+            <a:br>
+              <a:rPr lang="en-US" sz="1400" dirty="0"/>
+            </a:br>
+            <a:endParaRPr lang="en-US" sz="1400" dirty="0"/>
+          </a:p>
+          <a:p>
+            <a:r>
+              <a:rPr lang="en-US" sz="1600" dirty="0"/>
+              <a:t>2) Divide each gene/transcript fragment count by #1 </a:t>
+            </a:r>
+            <a:r>
+              <a:rPr lang="en-US" sz="1400" dirty="0">
+                <a:solidFill>
+                  <a:schemeClr val="bg2">
+                    <a:lumMod val="50000"/>
+                  </a:schemeClr>
+                </a:solidFill>
+              </a:rPr>
+              <a:t>(Fragments Per Million)</a:t>
+            </a:r>
+            <a:endParaRPr lang="en-US" sz="1400" dirty="0"/>
+          </a:p>
+          <a:p>
+            <a:endParaRPr lang="en-US" sz="1600" dirty="0"/>
+          </a:p>
+          <a:p>
+            <a:r>
+              <a:rPr lang="en-US" sz="1600" dirty="0"/>
+              <a:t>3) Divide each FPM by length of each gene/transcript in kilobases </a:t>
+            </a:r>
+            <a:r>
+              <a:rPr lang="en-US" sz="1400" dirty="0">
+                <a:solidFill>
+                  <a:schemeClr val="bg2">
+                    <a:lumMod val="50000"/>
+                  </a:schemeClr>
+                </a:solidFill>
+              </a:rPr>
+              <a:t>(FPKM)</a:t>
+            </a:r>
+          </a:p>
+          <a:p>
+            <a:endParaRPr lang="en-US" sz="1600" dirty="0"/>
+          </a:p>
+        </p:txBody>
+      </p:sp>
+      <p:sp>
+        <p:nvSpPr>
+          <p:cNvPr id="7" name="TextBox 6">
+            <a:extLst>
+              <a:ext uri="{FF2B5EF4-FFF2-40B4-BE49-F238E27FC236}">
+                <a16:creationId xmlns:a16="http://schemas.microsoft.com/office/drawing/2014/main" id="{8377C2F8-4FD0-8646-9F7F-B2548A76E432}"/>
+              </a:ext>
+            </a:extLst>
+          </p:cNvPr>
+          <p:cNvSpPr txBox="1"/>
+          <p:nvPr/>
+        </p:nvSpPr>
+        <p:spPr>
+          <a:xfrm>
+            <a:off x="6365966" y="2172339"/>
+            <a:ext cx="4632960" cy="2739211"/>
+          </a:xfrm>
+          <a:prstGeom prst="rect">
+            <a:avLst/>
+          </a:prstGeom>
+          <a:noFill/>
+          <a:ln>
+            <a:solidFill>
+              <a:schemeClr val="bg1">
+                <a:lumMod val="65000"/>
+              </a:schemeClr>
+            </a:solidFill>
+          </a:ln>
+        </p:spPr>
+        <p:txBody>
+          <a:bodyPr wrap="square" rtlCol="0">
+            <a:spAutoFit/>
+          </a:bodyPr>
+          <a:lstStyle/>
+          <a:p>
+            <a:r>
+              <a:rPr lang="en-US" b="1" dirty="0"/>
+              <a:t>TPM</a:t>
+            </a:r>
+            <a:br>
+              <a:rPr lang="en-US" sz="1000" b="1" dirty="0"/>
+            </a:br>
+            <a:endParaRPr lang="en-US" sz="1000" b="1" dirty="0"/>
+          </a:p>
+          <a:p>
+            <a:r>
+              <a:rPr lang="en-US" sz="1600" dirty="0"/>
+              <a:t>1) Divide each gene/transcript fragment count by length of the transcript in kilobases  </a:t>
+            </a:r>
+            <a:r>
+              <a:rPr lang="en-US" sz="1400" dirty="0">
+                <a:solidFill>
+                  <a:schemeClr val="bg2">
+                    <a:lumMod val="50000"/>
+                  </a:schemeClr>
+                </a:solidFill>
+              </a:rPr>
+              <a:t>(Fragments Per Kilobase)</a:t>
+            </a:r>
+          </a:p>
+          <a:p>
+            <a:br>
+              <a:rPr lang="en-US" sz="1600" dirty="0"/>
+            </a:br>
+            <a:r>
+              <a:rPr lang="en-US" sz="1600" dirty="0"/>
+              <a:t>2) Sum all FPK values for the sample and divide by 1,000,000 </a:t>
+            </a:r>
+            <a:r>
+              <a:rPr lang="en-US" sz="1400" dirty="0">
+                <a:solidFill>
+                  <a:schemeClr val="bg2">
+                    <a:lumMod val="50000"/>
+                  </a:schemeClr>
+                </a:solidFill>
+              </a:rPr>
+              <a:t>(per Million)</a:t>
+            </a:r>
+          </a:p>
+          <a:p>
+            <a:br>
+              <a:rPr lang="en-US" sz="1600" dirty="0"/>
+            </a:br>
+            <a:r>
+              <a:rPr lang="en-US" sz="1600" dirty="0"/>
+              <a:t>3) Divide #1 by #2 </a:t>
+            </a:r>
+            <a:r>
+              <a:rPr lang="en-US" sz="1600" dirty="0">
+                <a:solidFill>
+                  <a:schemeClr val="bg2">
+                    <a:lumMod val="50000"/>
+                  </a:schemeClr>
+                </a:solidFill>
+              </a:rPr>
+              <a:t>(TPM)</a:t>
+            </a:r>
+          </a:p>
+          <a:p>
+            <a:endParaRPr lang="en-US" sz="1600" dirty="0"/>
+          </a:p>
+        </p:txBody>
+      </p:sp>
+    </p:spTree>
+    <p:extLst>
+      <p:ext uri="{BB962C8B-B14F-4D97-AF65-F5344CB8AC3E}">
+        <p14:creationId xmlns:p14="http://schemas.microsoft.com/office/powerpoint/2010/main" val="2069213843"/>
+      </p:ext>
+    </p:extLst>
+  </p:cSld>
+  <p:clrMapOvr>
+    <a:masterClrMapping/>
+  </p:clrMapOvr>
+</p:sld>
+</file>
+
 <file path=ppt/slides/slide7.xml><?xml version="1.0" encoding="utf-8"?>
 <p:sld xmlns:a="http://schemas.openxmlformats.org/drawingml/2006/main" xmlns:r="http://schemas.openxmlformats.org/officeDocument/2006/relationships" xmlns:p="http://schemas.openxmlformats.org/presentationml/2006/main">
   <p:cSld>
@@ -7909,9 +7801,161 @@
           <a:chExt cx="0" cy="0"/>
         </a:xfrm>
       </p:grpSpPr>
-      <p:sp>
-        <p:nvSpPr>
-          <p:cNvPr id="28673" name="Title 1"/>
+      <p:pic>
+        <p:nvPicPr>
+          <p:cNvPr id="4" name="Content Placeholder 3" descr="nbt.3122-S1_Page_13.png"/>
+          <p:cNvPicPr>
+            <a:picLocks noGrp="1" noChangeAspect="1"/>
+          </p:cNvPicPr>
+          <p:nvPr>
+            <p:ph idx="1"/>
+          </p:nvPr>
+        </p:nvPicPr>
+        <p:blipFill rotWithShape="1">
+          <a:blip r:embed="rId3" cstate="print">
+            <a:extLst>
+              <a:ext uri="{28A0092B-C50C-407E-A947-70E740481C1C}">
+                <a14:useLocalDpi xmlns:a14="http://schemas.microsoft.com/office/drawing/2010/main" val="0"/>
+              </a:ext>
+            </a:extLst>
+          </a:blip>
+          <a:srcRect l="12267" t="9572" r="12178" b="46442"/>
+          <a:stretch/>
+        </p:blipFill>
+        <p:spPr>
+          <a:xfrm>
+            <a:off x="4059091" y="584888"/>
+            <a:ext cx="7691561" cy="5794824"/>
+          </a:xfrm>
+        </p:spPr>
+      </p:pic>
+      <p:sp>
+        <p:nvSpPr>
+          <p:cNvPr id="6" name="TextBox 5">
+            <a:extLst>
+              <a:ext uri="{FF2B5EF4-FFF2-40B4-BE49-F238E27FC236}">
+                <a16:creationId xmlns:a16="http://schemas.microsoft.com/office/drawing/2014/main" id="{D981205D-7164-1940-AD7E-4AD9C0A95664}"/>
+              </a:ext>
+            </a:extLst>
+          </p:cNvPr>
+          <p:cNvSpPr txBox="1"/>
+          <p:nvPr/>
+        </p:nvSpPr>
+        <p:spPr>
+          <a:xfrm>
+            <a:off x="122548" y="1116733"/>
+            <a:ext cx="3558082" cy="5262979"/>
+          </a:xfrm>
+          <a:prstGeom prst="rect">
+            <a:avLst/>
+          </a:prstGeom>
+          <a:noFill/>
+        </p:spPr>
+        <p:txBody>
+          <a:bodyPr wrap="square" rtlCol="0">
+            <a:spAutoFit/>
+          </a:bodyPr>
+          <a:lstStyle/>
+          <a:p>
+            <a:r>
+              <a:rPr lang="en-US" sz="1600" dirty="0"/>
+              <a:t>Map reads to the genome</a:t>
+            </a:r>
+            <a:br>
+              <a:rPr lang="en-US" sz="1600" dirty="0"/>
+            </a:br>
+            <a:endParaRPr lang="en-US" sz="1600" dirty="0"/>
+          </a:p>
+          <a:p>
+            <a:br>
+              <a:rPr lang="en-US" sz="1600" dirty="0"/>
+            </a:br>
+            <a:r>
+              <a:rPr lang="en-US" sz="1600" dirty="0"/>
+              <a:t>Infer isoforms:</a:t>
+            </a:r>
+            <a:br>
+              <a:rPr lang="en-US" sz="1600" dirty="0"/>
+            </a:br>
+            <a:endParaRPr lang="en-US" sz="1600" dirty="0"/>
+          </a:p>
+          <a:p>
+            <a:pPr marL="285750" indent="-285750">
+              <a:buFontTx/>
+              <a:buChar char="-"/>
+            </a:pPr>
+            <a:r>
+              <a:rPr lang="en-US" sz="1600" dirty="0"/>
+              <a:t>iteratively extract the heaviest path from a splice graph</a:t>
+            </a:r>
+            <a:br>
+              <a:rPr lang="en-US" sz="1600" dirty="0"/>
+            </a:br>
+            <a:endParaRPr lang="en-US" sz="1600" dirty="0"/>
+          </a:p>
+          <a:p>
+            <a:pPr marL="285750" indent="-285750">
+              <a:buFontTx/>
+              <a:buChar char="-"/>
+            </a:pPr>
+            <a:r>
+              <a:rPr lang="en-US" sz="1600" dirty="0"/>
+              <a:t>construct a flow network</a:t>
+            </a:r>
+            <a:br>
+              <a:rPr lang="en-US" sz="1600" dirty="0"/>
+            </a:br>
+            <a:endParaRPr lang="en-US" sz="1600" dirty="0"/>
+          </a:p>
+          <a:p>
+            <a:pPr marL="285750" indent="-285750">
+              <a:buFontTx/>
+              <a:buChar char="-"/>
+            </a:pPr>
+            <a:r>
+              <a:rPr lang="en-US" sz="1600" dirty="0"/>
+              <a:t>compute maximum flow to estimate abundance</a:t>
+            </a:r>
+            <a:br>
+              <a:rPr lang="en-US" sz="1600" dirty="0"/>
+            </a:br>
+            <a:endParaRPr lang="en-US" sz="1600" dirty="0"/>
+          </a:p>
+          <a:p>
+            <a:pPr marL="285750" indent="-285750">
+              <a:buFontTx/>
+              <a:buChar char="-"/>
+            </a:pPr>
+            <a:r>
+              <a:rPr lang="en-US" sz="1600" dirty="0"/>
+              <a:t>update the splice graph by removing reads that were assigned by the flow algorithm</a:t>
+            </a:r>
+            <a:br>
+              <a:rPr lang="en-US" sz="1600" dirty="0"/>
+            </a:br>
+            <a:endParaRPr lang="en-US" sz="1600" dirty="0"/>
+          </a:p>
+          <a:p>
+            <a:pPr marL="285750" indent="-285750">
+              <a:buFontTx/>
+              <a:buChar char="-"/>
+            </a:pPr>
+            <a:r>
+              <a:rPr lang="en-US" sz="1600" dirty="0"/>
+              <a:t>This process repeats until all reads have been assigned. </a:t>
+            </a:r>
+          </a:p>
+        </p:txBody>
+      </p:sp>
+      <p:sp>
+        <p:nvSpPr>
+          <p:cNvPr id="7" name="Title 1">
+            <a:extLst>
+              <a:ext uri="{FF2B5EF4-FFF2-40B4-BE49-F238E27FC236}">
+                <a16:creationId xmlns:a16="http://schemas.microsoft.com/office/drawing/2014/main" id="{35C845F0-3C59-F244-A6E6-72CEFB68E45B}"/>
+              </a:ext>
+            </a:extLst>
+          </p:cNvPr>
           <p:cNvSpPr>
             <a:spLocks noGrp="1"/>
           </p:cNvSpPr>
@@ -7921,233 +7965,84 @@
         </p:nvSpPr>
         <p:spPr>
           <a:xfrm>
-            <a:off x="1676400" y="-27384"/>
-            <a:ext cx="8839200" cy="1143000"/>
+            <a:off x="1676400" y="94821"/>
+            <a:ext cx="8839200" cy="490066"/>
           </a:xfrm>
         </p:spPr>
         <p:txBody>
-          <a:bodyPr/>
+          <a:bodyPr>
+            <a:normAutofit fontScale="90000"/>
+          </a:bodyPr>
           <a:lstStyle/>
           <a:p>
             <a:pPr algn="ctr"/>
             <a:r>
               <a:rPr lang="en-US" b="1" dirty="0">
-                <a:latin typeface="Calibri" charset="0"/>
-                <a:ea typeface="ＭＳ Ｐゴシック" charset="0"/>
+                <a:latin typeface="Calibri" panose="020F0502020204030204" pitchFamily="34" charset="0"/>
+                <a:cs typeface="Calibri" panose="020F0502020204030204" pitchFamily="34" charset="0"/>
               </a:rPr>
-              <a:t>What is FPKM</a:t>
-            </a:r>
-          </a:p>
-        </p:txBody>
-      </p:sp>
-      <p:sp>
-        <p:nvSpPr>
-          <p:cNvPr id="28674" name="Content Placeholder 2"/>
-          <p:cNvSpPr>
-            <a:spLocks noGrp="1"/>
-          </p:cNvSpPr>
-          <p:nvPr>
-            <p:ph idx="1"/>
-          </p:nvPr>
+              <a:t>How does </a:t>
+            </a:r>
+            <a:r>
+              <a:rPr lang="en-US" b="1" dirty="0" err="1">
+                <a:latin typeface="Calibri" panose="020F0502020204030204" pitchFamily="34" charset="0"/>
+                <a:cs typeface="Calibri" panose="020F0502020204030204" pitchFamily="34" charset="0"/>
+              </a:rPr>
+              <a:t>StringTie</a:t>
+            </a:r>
+            <a:r>
+              <a:rPr lang="en-US" b="1" dirty="0">
+                <a:latin typeface="Calibri" panose="020F0502020204030204" pitchFamily="34" charset="0"/>
+                <a:cs typeface="Calibri" panose="020F0502020204030204" pitchFamily="34" charset="0"/>
+              </a:rPr>
+              <a:t> work?</a:t>
+            </a:r>
+          </a:p>
+        </p:txBody>
+      </p:sp>
+      <p:sp>
+        <p:nvSpPr>
+          <p:cNvPr id="8" name="TextBox 7">
+            <a:extLst>
+              <a:ext uri="{FF2B5EF4-FFF2-40B4-BE49-F238E27FC236}">
+                <a16:creationId xmlns:a16="http://schemas.microsoft.com/office/drawing/2014/main" id="{9A549B85-0517-644D-8FB1-49811967085B}"/>
+              </a:ext>
+            </a:extLst>
+          </p:cNvPr>
+          <p:cNvSpPr txBox="1"/>
+          <p:nvPr/>
         </p:nvSpPr>
         <p:spPr>
           <a:xfrm>
-            <a:off x="696685" y="1340768"/>
-            <a:ext cx="10354491" cy="4983832"/>
+            <a:off x="8758091" y="6161314"/>
+            <a:ext cx="5472608" cy="276999"/>
           </a:xfrm>
+          <a:prstGeom prst="rect">
+            <a:avLst/>
+          </a:prstGeom>
+          <a:noFill/>
         </p:spPr>
         <p:txBody>
-          <a:bodyPr wrap="square">
-            <a:normAutofit/>
+          <a:bodyPr wrap="square" rtlCol="0">
+            <a:spAutoFit/>
           </a:bodyPr>
           <a:lstStyle/>
           <a:p>
             <a:r>
-              <a:rPr lang="en-US" dirty="0">
-                <a:latin typeface="Calibri" charset="0"/>
-                <a:ea typeface="ＭＳ Ｐゴシック" charset="0"/>
-              </a:rPr>
-              <a:t>FPKM attempts to normalize for gene size and library depth</a:t>
-            </a:r>
-          </a:p>
-          <a:p>
-            <a:pPr lvl="2"/>
-            <a:r>
-              <a:rPr lang="en-US" dirty="0">
-                <a:latin typeface="Calibri" charset="0"/>
-                <a:ea typeface="ＭＳ Ｐゴシック" charset="0"/>
-              </a:rPr>
-              <a:t>remember – RPKM is the same!</a:t>
-            </a:r>
-          </a:p>
-          <a:p>
-            <a:endParaRPr lang="nl-NL" dirty="0">
-              <a:latin typeface="Calibri" charset="0"/>
-              <a:ea typeface="ＭＳ Ｐゴシック" charset="0"/>
-            </a:endParaRPr>
-          </a:p>
-          <a:p>
-            <a:r>
-              <a:rPr lang="nl-NL" dirty="0">
-                <a:latin typeface="Calibri" charset="0"/>
-                <a:ea typeface="ＭＳ Ｐゴシック" charset="0"/>
-              </a:rPr>
-              <a:t>FPKM = (10^9 * C) / (N * L)</a:t>
-            </a:r>
-            <a:r>
-              <a:rPr lang="en-US" dirty="0">
-                <a:latin typeface="Calibri" charset="0"/>
-                <a:ea typeface="ＭＳ Ｐゴシック" charset="0"/>
-              </a:rPr>
-              <a:t> </a:t>
-            </a:r>
-          </a:p>
-          <a:p>
-            <a:pPr lvl="1"/>
-            <a:r>
-              <a:rPr lang="en-US" dirty="0">
-                <a:latin typeface="Calibri" charset="0"/>
-                <a:ea typeface="ＭＳ Ｐゴシック" charset="0"/>
-              </a:rPr>
-              <a:t>C = number of </a:t>
-            </a:r>
-            <a:r>
-              <a:rPr lang="en-US" dirty="0" err="1">
-                <a:latin typeface="Calibri" charset="0"/>
-                <a:ea typeface="ＭＳ Ｐゴシック" charset="0"/>
-              </a:rPr>
-              <a:t>mappable</a:t>
-            </a:r>
-            <a:r>
-              <a:rPr lang="en-US" dirty="0">
-                <a:latin typeface="Calibri" charset="0"/>
-                <a:ea typeface="ＭＳ Ｐゴシック" charset="0"/>
-              </a:rPr>
-              <a:t> reads/fragments for a gene/transcript/exon/</a:t>
-            </a:r>
-            <a:r>
-              <a:rPr lang="en-US" dirty="0" err="1">
-                <a:latin typeface="Calibri" charset="0"/>
-                <a:ea typeface="ＭＳ Ｐゴシック" charset="0"/>
-              </a:rPr>
-              <a:t>etc</a:t>
-            </a:r>
-            <a:endParaRPr lang="en-US" dirty="0">
-              <a:latin typeface="Calibri" charset="0"/>
-              <a:ea typeface="ＭＳ Ｐゴシック" charset="0"/>
-            </a:endParaRPr>
-          </a:p>
-          <a:p>
-            <a:pPr lvl="1"/>
-            <a:r>
-              <a:rPr lang="en-US" dirty="0">
-                <a:latin typeface="Calibri" charset="0"/>
-                <a:ea typeface="ＭＳ Ｐゴシック" charset="0"/>
-              </a:rPr>
-              <a:t>N = total number of </a:t>
-            </a:r>
-            <a:r>
-              <a:rPr lang="en-US" dirty="0" err="1">
-                <a:latin typeface="Calibri" charset="0"/>
-                <a:ea typeface="ＭＳ Ｐゴシック" charset="0"/>
-              </a:rPr>
-              <a:t>mappable</a:t>
-            </a:r>
-            <a:r>
-              <a:rPr lang="en-US" dirty="0">
-                <a:latin typeface="Calibri" charset="0"/>
-                <a:ea typeface="ＭＳ Ｐゴシック" charset="0"/>
-              </a:rPr>
-              <a:t> reads/fragments in the library </a:t>
-            </a:r>
-          </a:p>
-          <a:p>
-            <a:pPr lvl="1"/>
-            <a:r>
-              <a:rPr lang="en-US" dirty="0">
-                <a:latin typeface="Calibri" charset="0"/>
-                <a:ea typeface="ＭＳ Ｐゴシック" charset="0"/>
-              </a:rPr>
-              <a:t>L = number of base pairs in the gene/transcript/exon/</a:t>
-            </a:r>
-            <a:r>
-              <a:rPr lang="en-US" dirty="0" err="1">
-                <a:latin typeface="Calibri" charset="0"/>
-                <a:ea typeface="ＭＳ Ｐゴシック" charset="0"/>
-              </a:rPr>
-              <a:t>etc</a:t>
-            </a:r>
-            <a:endParaRPr lang="en-US" dirty="0">
-              <a:latin typeface="Calibri" charset="0"/>
-              <a:ea typeface="ＭＳ Ｐゴシック" charset="0"/>
-            </a:endParaRPr>
-          </a:p>
-          <a:p>
-            <a:pPr marL="457200" lvl="1" indent="0">
-              <a:buNone/>
-            </a:pPr>
-            <a:br>
-              <a:rPr lang="en-US" dirty="0">
-                <a:latin typeface="Calibri" charset="0"/>
-                <a:ea typeface="ＭＳ Ｐゴシック" charset="0"/>
-              </a:rPr>
-            </a:br>
-            <a:endParaRPr lang="en-US" dirty="0">
-              <a:latin typeface="Calibri" charset="0"/>
-              <a:ea typeface="ＭＳ Ｐゴシック" charset="0"/>
-            </a:endParaRPr>
-          </a:p>
-          <a:p>
-            <a:r>
-              <a:rPr lang="en-US" sz="2000" dirty="0">
-                <a:latin typeface="Calibri" charset="0"/>
-                <a:ea typeface="ＭＳ Ｐゴシック" charset="0"/>
-              </a:rPr>
-              <a:t>More reading:</a:t>
-            </a:r>
-          </a:p>
-          <a:p>
-            <a:pPr lvl="1"/>
-            <a:r>
-              <a:rPr lang="en-US" sz="1600" dirty="0">
-                <a:latin typeface="Calibri" charset="0"/>
-                <a:ea typeface="ＭＳ Ｐゴシック" charset="0"/>
-                <a:hlinkClick r:id="rId3"/>
-              </a:rPr>
-              <a:t>http://www.biostars.org/p/11378/</a:t>
-            </a:r>
-            <a:endParaRPr lang="en-US" sz="1600" dirty="0">
-              <a:latin typeface="Calibri" charset="0"/>
-              <a:ea typeface="ＭＳ Ｐゴシック" charset="0"/>
-            </a:endParaRPr>
-          </a:p>
-          <a:p>
-            <a:pPr lvl="1"/>
-            <a:r>
-              <a:rPr lang="en-US" sz="1600" dirty="0">
-                <a:latin typeface="Calibri" charset="0"/>
-                <a:ea typeface="ＭＳ Ｐゴシック" charset="0"/>
-                <a:hlinkClick r:id="rId4"/>
-              </a:rPr>
-              <a:t>http://www.biostars.org/p/68126/</a:t>
-            </a:r>
-            <a:endParaRPr lang="en-US" sz="1600" dirty="0">
-              <a:latin typeface="Calibri" charset="0"/>
-              <a:ea typeface="ＭＳ Ｐゴシック" charset="0"/>
-            </a:endParaRPr>
-          </a:p>
-          <a:p>
-            <a:endParaRPr lang="en-US" dirty="0">
-              <a:latin typeface="Calibri" charset="0"/>
-              <a:ea typeface="ＭＳ Ｐゴシック" charset="0"/>
-            </a:endParaRPr>
+              <a:rPr lang="en-US" sz="1200" dirty="0" err="1"/>
+              <a:t>Pertea</a:t>
+            </a:r>
+            <a:r>
+              <a:rPr lang="en-US" sz="1200" dirty="0"/>
+              <a:t> et al. Nature Biotechnology, 2015</a:t>
+            </a:r>
           </a:p>
         </p:txBody>
       </p:sp>
     </p:spTree>
     <p:extLst>
       <p:ext uri="{BB962C8B-B14F-4D97-AF65-F5344CB8AC3E}">
-        <p14:creationId xmlns:p14="http://schemas.microsoft.com/office/powerpoint/2010/main" val="4017283522"/>
+        <p14:creationId xmlns:p14="http://schemas.microsoft.com/office/powerpoint/2010/main" val="2603465258"/>
       </p:ext>
     </p:extLst>
   </p:cSld>
@@ -8186,39 +8081,8 @@
         </p:nvSpPr>
         <p:spPr>
           <a:xfrm>
-            <a:off x="1676400" y="-27384"/>
-            <a:ext cx="8839200" cy="1143000"/>
-          </a:xfrm>
-        </p:spPr>
-        <p:txBody>
-          <a:bodyPr/>
-          <a:lstStyle/>
-          <a:p>
-            <a:pPr algn="ctr"/>
-            <a:r>
-              <a:rPr lang="en-US" b="1" dirty="0">
-                <a:latin typeface="Calibri" panose="020F0502020204030204" pitchFamily="34" charset="0"/>
-                <a:cs typeface="Calibri" panose="020F0502020204030204" pitchFamily="34" charset="0"/>
-              </a:rPr>
-              <a:t>How do FPKM and TPM differ?</a:t>
-            </a:r>
-          </a:p>
-        </p:txBody>
-      </p:sp>
-      <p:sp>
-        <p:nvSpPr>
-          <p:cNvPr id="3" name="Content Placeholder 2"/>
-          <p:cNvSpPr>
-            <a:spLocks noGrp="1"/>
-          </p:cNvSpPr>
-          <p:nvPr>
-            <p:ph idx="1"/>
-          </p:nvPr>
-        </p:nvSpPr>
-        <p:spPr>
-          <a:xfrm>
-            <a:off x="1027611" y="994089"/>
-            <a:ext cx="10180320" cy="1043690"/>
+            <a:off x="1676400" y="44624"/>
+            <a:ext cx="8839200" cy="1008112"/>
           </a:xfrm>
         </p:spPr>
         <p:txBody>
@@ -8227,469 +8091,180 @@
           </a:bodyPr>
           <a:lstStyle/>
           <a:p>
-            <a:r>
-              <a:rPr lang="en-US" sz="2400" dirty="0"/>
-              <a:t>TPM: Transcript per Kilobase Million</a:t>
-            </a:r>
-          </a:p>
-          <a:p>
-            <a:r>
-              <a:rPr lang="en-US" sz="2400" dirty="0"/>
-              <a:t>The difference is in the order of operations:</a:t>
-            </a:r>
-          </a:p>
-        </p:txBody>
-      </p:sp>
-      <p:sp>
-        <p:nvSpPr>
-          <p:cNvPr id="4" name="Content Placeholder 2">
+            <a:pPr algn="ctr"/>
+            <a:r>
+              <a:rPr lang="en-US" sz="2800" b="1" dirty="0">
+                <a:latin typeface="Calibri" panose="020F0502020204030204" pitchFamily="34" charset="0"/>
+                <a:cs typeface="Calibri" panose="020F0502020204030204" pitchFamily="34" charset="0"/>
+              </a:rPr>
+              <a:t>From flow network for each transcript, maximum flow is used to assemble transcript and estimate abundance </a:t>
+            </a:r>
+          </a:p>
+        </p:txBody>
+      </p:sp>
+      <p:pic>
+        <p:nvPicPr>
+          <p:cNvPr id="4" name="Content Placeholder 3" descr="nbt.3122-S1_Page_14.png"/>
+          <p:cNvPicPr>
+            <a:picLocks noGrp="1" noChangeAspect="1"/>
+          </p:cNvPicPr>
+          <p:nvPr>
+            <p:ph idx="1"/>
+          </p:nvPr>
+        </p:nvPicPr>
+        <p:blipFill rotWithShape="1">
+          <a:blip r:embed="rId3" cstate="print">
             <a:extLst>
-              <a:ext uri="{FF2B5EF4-FFF2-40B4-BE49-F238E27FC236}">
-                <a16:creationId xmlns:a16="http://schemas.microsoft.com/office/drawing/2014/main" id="{54F92D20-8AE2-DA44-A7D0-C91F848950E1}"/>
+              <a:ext uri="{28A0092B-C50C-407E-A947-70E740481C1C}">
+                <a14:useLocalDpi xmlns:a14="http://schemas.microsoft.com/office/drawing/2010/main" val="0"/>
               </a:ext>
             </a:extLst>
-          </p:cNvPr>
-          <p:cNvSpPr txBox="1">
-            <a:spLocks/>
-          </p:cNvSpPr>
-          <p:nvPr/>
-        </p:nvSpPr>
+          </a:blip>
+          <a:srcRect l="17889" t="11473" r="30804" b="58388"/>
+          <a:stretch/>
+        </p:blipFill>
         <p:spPr>
           <a:xfrm>
-            <a:off x="927462" y="5011814"/>
-            <a:ext cx="10180320" cy="1371571"/>
+            <a:off x="2639616" y="980728"/>
+            <a:ext cx="6480720" cy="4926544"/>
+          </a:xfrm>
+        </p:spPr>
+      </p:pic>
+      <p:sp>
+        <p:nvSpPr>
+          <p:cNvPr id="5" name="Rectangle 4"/>
+          <p:cNvSpPr/>
+          <p:nvPr/>
+        </p:nvSpPr>
+        <p:spPr>
+          <a:xfrm>
+            <a:off x="491067" y="5877272"/>
+            <a:ext cx="11311466" cy="523220"/>
           </a:xfrm>
           <a:prstGeom prst="rect">
             <a:avLst/>
           </a:prstGeom>
         </p:spPr>
         <p:txBody>
-          <a:bodyPr vert="horz" lIns="91440" tIns="45720" rIns="91440" bIns="45720" rtlCol="0">
-            <a:normAutofit fontScale="40000" lnSpcReduction="20000"/>
-          </a:bodyPr>
-          <a:lstStyle>
-            <a:lvl1pPr marL="228600" indent="-228600" algn="l" defTabSz="914400" rtl="0" eaLnBrk="1" latinLnBrk="0" hangingPunct="1">
-              <a:lnSpc>
-                <a:spcPct val="90000"/>
-              </a:lnSpc>
-              <a:spcBef>
-                <a:spcPts val="1000"/>
-              </a:spcBef>
-              <a:buFont typeface="Arial" panose="020B0604020202020204" pitchFamily="34" charset="0"/>
-              <a:buChar char="•"/>
-              <a:defRPr sz="2800" kern="1200">
-                <a:solidFill>
-                  <a:schemeClr val="tx1"/>
-                </a:solidFill>
-                <a:latin typeface="+mn-lt"/>
-                <a:ea typeface="+mn-ea"/>
-                <a:cs typeface="+mn-cs"/>
-              </a:defRPr>
-            </a:lvl1pPr>
-            <a:lvl2pPr marL="685800" indent="-228600" algn="l" defTabSz="914400" rtl="0" eaLnBrk="1" latinLnBrk="0" hangingPunct="1">
-              <a:lnSpc>
-                <a:spcPct val="90000"/>
-              </a:lnSpc>
-              <a:spcBef>
-                <a:spcPts val="500"/>
-              </a:spcBef>
-              <a:buFont typeface="Arial" panose="020B0604020202020204" pitchFamily="34" charset="0"/>
-              <a:buChar char="•"/>
-              <a:defRPr sz="2400" kern="1200">
-                <a:solidFill>
-                  <a:schemeClr val="tx1"/>
-                </a:solidFill>
-                <a:latin typeface="+mn-lt"/>
-                <a:ea typeface="+mn-ea"/>
-                <a:cs typeface="+mn-cs"/>
-              </a:defRPr>
-            </a:lvl2pPr>
-            <a:lvl3pPr marL="1143000" indent="-228600" algn="l" defTabSz="914400" rtl="0" eaLnBrk="1" latinLnBrk="0" hangingPunct="1">
-              <a:lnSpc>
-                <a:spcPct val="90000"/>
-              </a:lnSpc>
-              <a:spcBef>
-                <a:spcPts val="500"/>
-              </a:spcBef>
-              <a:buFont typeface="Arial" panose="020B0604020202020204" pitchFamily="34" charset="0"/>
-              <a:buChar char="•"/>
-              <a:defRPr sz="2000" kern="1200">
-                <a:solidFill>
-                  <a:schemeClr val="tx1"/>
-                </a:solidFill>
-                <a:latin typeface="+mn-lt"/>
-                <a:ea typeface="+mn-ea"/>
-                <a:cs typeface="+mn-cs"/>
-              </a:defRPr>
-            </a:lvl3pPr>
-            <a:lvl4pPr marL="1600200" indent="-228600" algn="l" defTabSz="914400" rtl="0" eaLnBrk="1" latinLnBrk="0" hangingPunct="1">
-              <a:lnSpc>
-                <a:spcPct val="90000"/>
-              </a:lnSpc>
-              <a:spcBef>
-                <a:spcPts val="500"/>
-              </a:spcBef>
-              <a:buFont typeface="Arial" panose="020B0604020202020204" pitchFamily="34" charset="0"/>
-              <a:buChar char="•"/>
-              <a:defRPr sz="1800" kern="1200">
-                <a:solidFill>
-                  <a:schemeClr val="tx1"/>
-                </a:solidFill>
-                <a:latin typeface="+mn-lt"/>
-                <a:ea typeface="+mn-ea"/>
-                <a:cs typeface="+mn-cs"/>
-              </a:defRPr>
-            </a:lvl4pPr>
-            <a:lvl5pPr marL="2057400" indent="-228600" algn="l" defTabSz="914400" rtl="0" eaLnBrk="1" latinLnBrk="0" hangingPunct="1">
-              <a:lnSpc>
-                <a:spcPct val="90000"/>
-              </a:lnSpc>
-              <a:spcBef>
-                <a:spcPts val="500"/>
-              </a:spcBef>
-              <a:buFont typeface="Arial" panose="020B0604020202020204" pitchFamily="34" charset="0"/>
-              <a:buChar char="•"/>
-              <a:defRPr sz="1800" kern="1200">
-                <a:solidFill>
-                  <a:schemeClr val="tx1"/>
-                </a:solidFill>
-                <a:latin typeface="+mn-lt"/>
-                <a:ea typeface="+mn-ea"/>
-                <a:cs typeface="+mn-cs"/>
-              </a:defRPr>
-            </a:lvl5pPr>
-            <a:lvl6pPr marL="2514600" indent="-228600" algn="l" defTabSz="914400" rtl="0" eaLnBrk="1" latinLnBrk="0" hangingPunct="1">
-              <a:lnSpc>
-                <a:spcPct val="90000"/>
-              </a:lnSpc>
-              <a:spcBef>
-                <a:spcPts val="500"/>
-              </a:spcBef>
-              <a:buFont typeface="Arial" panose="020B0604020202020204" pitchFamily="34" charset="0"/>
-              <a:buChar char="•"/>
-              <a:defRPr sz="1800" kern="1200">
-                <a:solidFill>
-                  <a:schemeClr val="tx1"/>
-                </a:solidFill>
-                <a:latin typeface="+mn-lt"/>
-                <a:ea typeface="+mn-ea"/>
-                <a:cs typeface="+mn-cs"/>
-              </a:defRPr>
-            </a:lvl6pPr>
-            <a:lvl7pPr marL="2971800" indent="-228600" algn="l" defTabSz="914400" rtl="0" eaLnBrk="1" latinLnBrk="0" hangingPunct="1">
-              <a:lnSpc>
-                <a:spcPct val="90000"/>
-              </a:lnSpc>
-              <a:spcBef>
-                <a:spcPts val="500"/>
-              </a:spcBef>
-              <a:buFont typeface="Arial" panose="020B0604020202020204" pitchFamily="34" charset="0"/>
-              <a:buChar char="•"/>
-              <a:defRPr sz="1800" kern="1200">
-                <a:solidFill>
-                  <a:schemeClr val="tx1"/>
-                </a:solidFill>
-                <a:latin typeface="+mn-lt"/>
-                <a:ea typeface="+mn-ea"/>
-                <a:cs typeface="+mn-cs"/>
-              </a:defRPr>
-            </a:lvl7pPr>
-            <a:lvl8pPr marL="3429000" indent="-228600" algn="l" defTabSz="914400" rtl="0" eaLnBrk="1" latinLnBrk="0" hangingPunct="1">
-              <a:lnSpc>
-                <a:spcPct val="90000"/>
-              </a:lnSpc>
-              <a:spcBef>
-                <a:spcPts val="500"/>
-              </a:spcBef>
-              <a:buFont typeface="Arial" panose="020B0604020202020204" pitchFamily="34" charset="0"/>
-              <a:buChar char="•"/>
-              <a:defRPr sz="1800" kern="1200">
-                <a:solidFill>
-                  <a:schemeClr val="tx1"/>
-                </a:solidFill>
-                <a:latin typeface="+mn-lt"/>
-                <a:ea typeface="+mn-ea"/>
-                <a:cs typeface="+mn-cs"/>
-              </a:defRPr>
-            </a:lvl8pPr>
-            <a:lvl9pPr marL="3886200" indent="-228600" algn="l" defTabSz="914400" rtl="0" eaLnBrk="1" latinLnBrk="0" hangingPunct="1">
-              <a:lnSpc>
-                <a:spcPct val="90000"/>
-              </a:lnSpc>
-              <a:spcBef>
-                <a:spcPts val="500"/>
-              </a:spcBef>
-              <a:buFont typeface="Arial" panose="020B0604020202020204" pitchFamily="34" charset="0"/>
-              <a:buChar char="•"/>
-              <a:defRPr sz="1800" kern="1200">
-                <a:solidFill>
-                  <a:schemeClr val="tx1"/>
-                </a:solidFill>
-                <a:latin typeface="+mn-lt"/>
-                <a:ea typeface="+mn-ea"/>
-                <a:cs typeface="+mn-cs"/>
-              </a:defRPr>
-            </a:lvl9pPr>
-          </a:lstStyle>
-          <a:p>
-            <a:pPr marL="914400" lvl="2" indent="0">
-              <a:buNone/>
-            </a:pPr>
-            <a:endParaRPr lang="en-US" dirty="0"/>
-          </a:p>
-          <a:p>
-            <a:r>
-              <a:rPr lang="en-US" sz="4400" dirty="0"/>
-              <a:t>The sum of all TPMs in each sample is the same. Easier to compare across samples!</a:t>
-            </a:r>
-            <a:br>
-              <a:rPr lang="en-US" sz="4400" dirty="0"/>
-            </a:br>
-            <a:endParaRPr lang="en-US" sz="4400" dirty="0">
-              <a:hlinkClick r:id="rId3"/>
-            </a:endParaRPr>
-          </a:p>
-          <a:p>
-            <a:r>
-              <a:rPr lang="en-US" sz="3500" dirty="0">
-                <a:hlinkClick r:id="rId3"/>
-              </a:rPr>
-              <a:t>http://www.rna-seqblog.com/rpkm-fpkm-and-tpm-clearly-explained/</a:t>
-            </a:r>
-            <a:endParaRPr lang="en-US" sz="3500" dirty="0"/>
-          </a:p>
-          <a:p>
-            <a:r>
-              <a:rPr lang="en-US" sz="3500" dirty="0">
-                <a:hlinkClick r:id="rId4"/>
-              </a:rPr>
-              <a:t>https://www.ncbi.nlm.nih.gov/pubmed/22872506</a:t>
-            </a:r>
-            <a:r>
-              <a:rPr lang="en-US" sz="3500" dirty="0"/>
-              <a:t> </a:t>
-            </a:r>
-          </a:p>
-        </p:txBody>
-      </p:sp>
-      <p:sp>
-        <p:nvSpPr>
-          <p:cNvPr id="6" name="TextBox 5">
-            <a:extLst>
-              <a:ext uri="{FF2B5EF4-FFF2-40B4-BE49-F238E27FC236}">
-                <a16:creationId xmlns:a16="http://schemas.microsoft.com/office/drawing/2014/main" id="{4F402C60-59F1-1B44-B621-7F0D62AD1900}"/>
-              </a:ext>
-            </a:extLst>
-          </p:cNvPr>
-          <p:cNvSpPr txBox="1"/>
-          <p:nvPr/>
-        </p:nvSpPr>
-        <p:spPr>
-          <a:xfrm>
-            <a:off x="818605" y="2172339"/>
-            <a:ext cx="4380412" cy="2708434"/>
-          </a:xfrm>
-          <a:prstGeom prst="rect">
-            <a:avLst/>
-          </a:prstGeom>
-          <a:noFill/>
-          <a:ln>
-            <a:solidFill>
-              <a:schemeClr val="bg1">
-                <a:lumMod val="65000"/>
-              </a:schemeClr>
-            </a:solidFill>
-          </a:ln>
-        </p:spPr>
-        <p:txBody>
-          <a:bodyPr wrap="square" rtlCol="0">
+          <a:bodyPr wrap="square">
             <a:spAutoFit/>
           </a:bodyPr>
           <a:lstStyle/>
           <a:p>
             <a:r>
-              <a:rPr lang="en-US" b="1" dirty="0"/>
-              <a:t>FPKM</a:t>
-            </a:r>
-            <a:br>
-              <a:rPr lang="en-US" sz="1000" b="1" dirty="0"/>
-            </a:br>
-            <a:endParaRPr lang="en-US" sz="1000" b="1" dirty="0"/>
-          </a:p>
-          <a:p>
-            <a:r>
-              <a:rPr lang="en-US" sz="1600" dirty="0"/>
-              <a:t>1) Determine total fragment count, divide by 1,000,000 </a:t>
-            </a:r>
-            <a:r>
-              <a:rPr lang="en-US" sz="1400" dirty="0">
-                <a:solidFill>
-                  <a:schemeClr val="bg2">
-                    <a:lumMod val="50000"/>
-                  </a:schemeClr>
-                </a:solidFill>
-              </a:rPr>
-              <a:t>(per Million)</a:t>
+              <a:rPr lang="en-US" sz="1400" dirty="0" err="1"/>
+              <a:t>StringTie</a:t>
+            </a:r>
+            <a:r>
+              <a:rPr lang="en-US" sz="1400" dirty="0"/>
+              <a:t> uses basic graph theory (splice graph), custom heuristics (heaviest path), more graph theory </a:t>
             </a:r>
             <a:br>
               <a:rPr lang="en-US" sz="1400" dirty="0"/>
             </a:br>
-            <a:endParaRPr lang="en-US" sz="1400" dirty="0"/>
-          </a:p>
-          <a:p>
-            <a:r>
-              <a:rPr lang="en-US" sz="1600" dirty="0"/>
-              <a:t>2) Divide each gene/transcript fragment count by #1 </a:t>
-            </a:r>
-            <a:r>
-              <a:rPr lang="en-US" sz="1400" dirty="0">
-                <a:solidFill>
-                  <a:schemeClr val="bg2">
-                    <a:lumMod val="50000"/>
-                  </a:schemeClr>
-                </a:solidFill>
-              </a:rPr>
-              <a:t>(Fragments Per Million)</a:t>
-            </a:r>
-            <a:endParaRPr lang="en-US" sz="1400" dirty="0"/>
-          </a:p>
-          <a:p>
-            <a:endParaRPr lang="en-US" sz="1600" dirty="0"/>
-          </a:p>
-          <a:p>
-            <a:r>
-              <a:rPr lang="en-US" sz="1600" dirty="0"/>
-              <a:t>3) Divide each FPM by length of each gene/transcript in kilobases </a:t>
-            </a:r>
-            <a:r>
-              <a:rPr lang="en-US" sz="1400" dirty="0">
-                <a:solidFill>
-                  <a:schemeClr val="bg2">
-                    <a:lumMod val="50000"/>
-                  </a:schemeClr>
-                </a:solidFill>
-              </a:rPr>
-              <a:t>(FPKM)</a:t>
-            </a:r>
-          </a:p>
-          <a:p>
-            <a:endParaRPr lang="en-US" sz="1600" dirty="0"/>
-          </a:p>
-        </p:txBody>
-      </p:sp>
-      <p:sp>
-        <p:nvSpPr>
-          <p:cNvPr id="7" name="TextBox 6">
-            <a:extLst>
-              <a:ext uri="{FF2B5EF4-FFF2-40B4-BE49-F238E27FC236}">
-                <a16:creationId xmlns:a16="http://schemas.microsoft.com/office/drawing/2014/main" id="{8377C2F8-4FD0-8646-9F7F-B2548A76E432}"/>
-              </a:ext>
-            </a:extLst>
-          </p:cNvPr>
-          <p:cNvSpPr txBox="1"/>
-          <p:nvPr/>
-        </p:nvSpPr>
-        <p:spPr>
-          <a:xfrm>
-            <a:off x="6365966" y="2172339"/>
-            <a:ext cx="4632960" cy="2739211"/>
-          </a:xfrm>
-          <a:prstGeom prst="rect">
-            <a:avLst/>
-          </a:prstGeom>
-          <a:noFill/>
-          <a:ln>
-            <a:solidFill>
-              <a:schemeClr val="bg1">
-                <a:lumMod val="65000"/>
-              </a:schemeClr>
-            </a:solidFill>
-          </a:ln>
-        </p:spPr>
-        <p:txBody>
-          <a:bodyPr wrap="square" rtlCol="0">
-            <a:spAutoFit/>
-          </a:bodyPr>
-          <a:lstStyle/>
-          <a:p>
-            <a:r>
-              <a:rPr lang="en-US" b="1" dirty="0"/>
-              <a:t>TPM</a:t>
-            </a:r>
-            <a:br>
-              <a:rPr lang="en-US" sz="1000" b="1" dirty="0"/>
-            </a:br>
-            <a:endParaRPr lang="en-US" sz="1000" b="1" dirty="0"/>
-          </a:p>
-          <a:p>
-            <a:r>
-              <a:rPr lang="en-US" sz="1600" dirty="0"/>
-              <a:t>1) Divide each gene/transcript fragment count by length of the transcript in kilobases  </a:t>
-            </a:r>
-            <a:r>
-              <a:rPr lang="en-US" sz="1400" dirty="0">
-                <a:solidFill>
-                  <a:schemeClr val="bg2">
-                    <a:lumMod val="50000"/>
-                  </a:schemeClr>
-                </a:solidFill>
-              </a:rPr>
-              <a:t>(Fragments Per Kilobase)</a:t>
-            </a:r>
-          </a:p>
-          <a:p>
-            <a:br>
-              <a:rPr lang="en-US" sz="1600" dirty="0"/>
-            </a:br>
-            <a:r>
-              <a:rPr lang="en-US" sz="1600" dirty="0"/>
-              <a:t>2) Sum all FPK values for the sample and divide by 1,000,000 </a:t>
-            </a:r>
-            <a:r>
-              <a:rPr lang="en-US" sz="1400" dirty="0">
-                <a:solidFill>
-                  <a:schemeClr val="bg2">
-                    <a:lumMod val="50000"/>
-                  </a:schemeClr>
-                </a:solidFill>
-              </a:rPr>
-              <a:t>(per Million)</a:t>
-            </a:r>
-          </a:p>
-          <a:p>
-            <a:br>
-              <a:rPr lang="en-US" sz="1600" dirty="0"/>
-            </a:br>
-            <a:r>
-              <a:rPr lang="en-US" sz="1600" dirty="0"/>
-              <a:t>3) Divide #1 by #2 </a:t>
-            </a:r>
-            <a:r>
-              <a:rPr lang="en-US" sz="1600" dirty="0">
-                <a:solidFill>
-                  <a:schemeClr val="bg2">
-                    <a:lumMod val="50000"/>
-                  </a:schemeClr>
-                </a:solidFill>
-              </a:rPr>
-              <a:t>(TPM)</a:t>
-            </a:r>
-          </a:p>
-          <a:p>
-            <a:endParaRPr lang="en-US" sz="1600" dirty="0"/>
+            <a:r>
+              <a:rPr lang="en-US" sz="1400" dirty="0"/>
+              <a:t>(flow network) and optimization theory (maximum flow). See </a:t>
+            </a:r>
+            <a:r>
+              <a:rPr lang="en-US" sz="1400" dirty="0" err="1"/>
+              <a:t>StringTie</a:t>
+            </a:r>
+            <a:r>
+              <a:rPr lang="en-US" sz="1400" dirty="0"/>
+              <a:t> paper for definitions and math.</a:t>
+            </a:r>
           </a:p>
         </p:txBody>
       </p:sp>
     </p:spTree>
     <p:extLst>
       <p:ext uri="{BB962C8B-B14F-4D97-AF65-F5344CB8AC3E}">
-        <p14:creationId xmlns:p14="http://schemas.microsoft.com/office/powerpoint/2010/main" val="2069213843"/>
+        <p14:creationId xmlns:p14="http://schemas.microsoft.com/office/powerpoint/2010/main" val="4099051196"/>
       </p:ext>
     </p:extLst>
   </p:cSld>
   <p:clrMapOvr>
     <a:masterClrMapping/>
   </p:clrMapOvr>
+  <p:timing>
+    <p:tnLst>
+      <p:par>
+        <p:cTn id="1" dur="indefinite" restart="never" nodeType="tmRoot">
+          <p:childTnLst>
+            <p:seq concurrent="1" nextAc="seek">
+              <p:cTn id="2" dur="indefinite" nodeType="mainSeq">
+                <p:childTnLst>
+                  <p:par>
+                    <p:cTn id="3" fill="hold">
+                      <p:stCondLst>
+                        <p:cond delay="indefinite"/>
+                      </p:stCondLst>
+                      <p:childTnLst>
+                        <p:par>
+                          <p:cTn id="4" fill="hold">
+                            <p:stCondLst>
+                              <p:cond delay="0"/>
+                            </p:stCondLst>
+                            <p:childTnLst>
+                              <p:par>
+                                <p:cTn id="5" presetID="1" presetClass="entr" presetSubtype="0" fill="hold" grpId="0" nodeType="clickEffect">
+                                  <p:stCondLst>
+                                    <p:cond delay="0"/>
+                                  </p:stCondLst>
+                                  <p:childTnLst>
+                                    <p:set>
+                                      <p:cBhvr>
+                                        <p:cTn id="6" dur="1" fill="hold">
+                                          <p:stCondLst>
+                                            <p:cond delay="0"/>
+                                          </p:stCondLst>
+                                        </p:cTn>
+                                        <p:tgtEl>
+                                          <p:spTgt spid="5"/>
+                                        </p:tgtEl>
+                                        <p:attrNameLst>
+                                          <p:attrName>style.visibility</p:attrName>
+                                        </p:attrNameLst>
+                                      </p:cBhvr>
+                                      <p:to>
+                                        <p:strVal val="visible"/>
+                                      </p:to>
+                                    </p:set>
+                                  </p:childTnLst>
+                                </p:cTn>
+                              </p:par>
+                            </p:childTnLst>
+                          </p:cTn>
+                        </p:par>
+                      </p:childTnLst>
+                    </p:cTn>
+                  </p:par>
+                </p:childTnLst>
+              </p:cTn>
+              <p:prevCondLst>
+                <p:cond evt="onPrev" delay="0">
+                  <p:tgtEl>
+                    <p:sldTgt/>
+                  </p:tgtEl>
+                </p:cond>
+              </p:prevCondLst>
+              <p:nextCondLst>
+                <p:cond evt="onNext" delay="0">
+                  <p:tgtEl>
+                    <p:sldTgt/>
+                  </p:tgtEl>
+                </p:cond>
+              </p:nextCondLst>
+            </p:seq>
+          </p:childTnLst>
+        </p:cTn>
+      </p:par>
+    </p:tnLst>
+    <p:bldLst>
+      <p:bldP spid="5" grpId="0"/>
+    </p:bldLst>
+  </p:timing>
 </p:sld>
 </file>
 
@@ -8710,50 +8285,106 @@
           <a:chExt cx="0" cy="0"/>
         </a:xfrm>
       </p:grpSpPr>
-      <p:pic>
-        <p:nvPicPr>
-          <p:cNvPr id="4" name="Content Placeholder 3" descr="nbt.3122-S1_Page_13.png"/>
-          <p:cNvPicPr>
-            <a:picLocks noGrp="1" noChangeAspect="1"/>
-          </p:cNvPicPr>
+      <p:sp>
+        <p:nvSpPr>
+          <p:cNvPr id="2" name="Title 1"/>
+          <p:cNvSpPr>
+            <a:spLocks noGrp="1"/>
+          </p:cNvSpPr>
+          <p:nvPr>
+            <p:ph type="title"/>
+          </p:nvPr>
+        </p:nvSpPr>
+        <p:spPr/>
+        <p:txBody>
+          <a:bodyPr/>
+          <a:lstStyle/>
+          <a:p>
+            <a:pPr algn="ctr"/>
+            <a:r>
+              <a:rPr lang="en-US" b="1" dirty="0" err="1">
+                <a:latin typeface="Calibri" panose="020F0502020204030204" pitchFamily="34" charset="0"/>
+                <a:cs typeface="Calibri" panose="020F0502020204030204" pitchFamily="34" charset="0"/>
+              </a:rPr>
+              <a:t>StringTie</a:t>
+            </a:r>
+            <a:r>
+              <a:rPr lang="en-US" b="1" dirty="0">
+                <a:latin typeface="Calibri" panose="020F0502020204030204" pitchFamily="34" charset="0"/>
+                <a:cs typeface="Calibri" panose="020F0502020204030204" pitchFamily="34" charset="0"/>
+              </a:rPr>
+              <a:t> -merge</a:t>
+            </a:r>
+          </a:p>
+        </p:txBody>
+      </p:sp>
+      <p:sp>
+        <p:nvSpPr>
+          <p:cNvPr id="3" name="Content Placeholder 2"/>
+          <p:cNvSpPr>
+            <a:spLocks noGrp="1"/>
+          </p:cNvSpPr>
           <p:nvPr>
             <p:ph idx="1"/>
           </p:nvPr>
-        </p:nvPicPr>
-        <p:blipFill rotWithShape="1">
-          <a:blip r:embed="rId3" cstate="print">
-            <a:extLst>
-              <a:ext uri="{28A0092B-C50C-407E-A947-70E740481C1C}">
-                <a14:useLocalDpi xmlns:a14="http://schemas.microsoft.com/office/drawing/2010/main" val="0"/>
-              </a:ext>
-            </a:extLst>
-          </a:blip>
-          <a:srcRect l="12267" t="9572" r="12178" b="46442"/>
-          <a:stretch/>
-        </p:blipFill>
+        </p:nvSpPr>
+        <p:spPr/>
+        <p:txBody>
+          <a:bodyPr/>
+          <a:lstStyle/>
+          <a:p>
+            <a:r>
+              <a:rPr lang="en-US" dirty="0"/>
+              <a:t>Merge together all gene structures from all samples</a:t>
+            </a:r>
+          </a:p>
+          <a:p>
+            <a:pPr lvl="1"/>
+            <a:r>
+              <a:rPr lang="en-US" dirty="0"/>
+              <a:t>Some samples may only partially represent a gene structure</a:t>
+            </a:r>
+            <a:br>
+              <a:rPr lang="en-US" dirty="0"/>
+            </a:br>
+            <a:endParaRPr lang="en-US" dirty="0"/>
+          </a:p>
+          <a:p>
+            <a:r>
+              <a:rPr lang="en-US" dirty="0"/>
+              <a:t>Incorporates known transcripts with assembled, potentially novel transcripts</a:t>
+            </a:r>
+            <a:br>
+              <a:rPr lang="en-US" dirty="0"/>
+            </a:br>
+            <a:endParaRPr lang="en-US" dirty="0"/>
+          </a:p>
+          <a:p>
+            <a:r>
+              <a:rPr lang="en-US" dirty="0"/>
+              <a:t>For de novo or reference guided mode, we will rerun </a:t>
+            </a:r>
+            <a:r>
+              <a:rPr lang="en-US" dirty="0" err="1"/>
+              <a:t>StringTie</a:t>
+            </a:r>
+            <a:r>
+              <a:rPr lang="en-US" dirty="0"/>
+              <a:t> with the merged transcript assembly.</a:t>
+            </a:r>
+          </a:p>
+        </p:txBody>
+      </p:sp>
+      <p:sp>
+        <p:nvSpPr>
+          <p:cNvPr id="4" name="TextBox 3"/>
+          <p:cNvSpPr txBox="1"/>
+          <p:nvPr/>
+        </p:nvSpPr>
         <p:spPr>
           <a:xfrm>
-            <a:off x="4059091" y="584888"/>
-            <a:ext cx="7691561" cy="5794824"/>
-          </a:xfrm>
-        </p:spPr>
-      </p:pic>
-      <p:sp>
-        <p:nvSpPr>
-          <p:cNvPr id="6" name="TextBox 5">
-            <a:extLst>
-              <a:ext uri="{FF2B5EF4-FFF2-40B4-BE49-F238E27FC236}">
-                <a16:creationId xmlns:a16="http://schemas.microsoft.com/office/drawing/2014/main" id="{D981205D-7164-1940-AD7E-4AD9C0A95664}"/>
-              </a:ext>
-            </a:extLst>
-          </p:cNvPr>
-          <p:cNvSpPr txBox="1"/>
-          <p:nvPr/>
-        </p:nvSpPr>
-        <p:spPr>
-          <a:xfrm>
-            <a:off x="122548" y="1116733"/>
-            <a:ext cx="3558082" cy="5262979"/>
+            <a:off x="6240016" y="6021288"/>
+            <a:ext cx="4427984" cy="369332"/>
           </a:xfrm>
           <a:prstGeom prst="rect">
             <a:avLst/>
@@ -8767,183 +8398,12 @@
           <a:lstStyle/>
           <a:p>
             <a:r>
-              <a:rPr lang="en-US" sz="1600" dirty="0"/>
-              <a:t>Map reads to the genome</a:t>
-            </a:r>
-            <a:br>
-              <a:rPr lang="en-US" sz="1600" dirty="0"/>
-            </a:br>
-            <a:endParaRPr lang="en-US" sz="1600" dirty="0"/>
-          </a:p>
-          <a:p>
-            <a:br>
-              <a:rPr lang="en-US" sz="1600" dirty="0"/>
-            </a:br>
-            <a:r>
-              <a:rPr lang="en-US" sz="1600" dirty="0"/>
-              <a:t>Infer isoforms:</a:t>
-            </a:r>
-            <a:br>
-              <a:rPr lang="en-US" sz="1600" dirty="0"/>
-            </a:br>
-            <a:endParaRPr lang="en-US" sz="1600" dirty="0"/>
-          </a:p>
-          <a:p>
-            <a:pPr marL="285750" indent="-285750">
-              <a:buFontTx/>
-              <a:buChar char="-"/>
-            </a:pPr>
-            <a:r>
-              <a:rPr lang="en-US" sz="1600" dirty="0"/>
-              <a:t>iteratively extract the heaviest path from a splice graph</a:t>
-            </a:r>
-            <a:br>
-              <a:rPr lang="en-US" sz="1600" dirty="0"/>
-            </a:br>
-            <a:endParaRPr lang="en-US" sz="1600" dirty="0"/>
-          </a:p>
-          <a:p>
-            <a:pPr marL="285750" indent="-285750">
-              <a:buFontTx/>
-              <a:buChar char="-"/>
-            </a:pPr>
-            <a:r>
-              <a:rPr lang="en-US" sz="1600" dirty="0"/>
-              <a:t>construct a flow network</a:t>
-            </a:r>
-            <a:br>
-              <a:rPr lang="en-US" sz="1600" dirty="0"/>
-            </a:br>
-            <a:endParaRPr lang="en-US" sz="1600" dirty="0"/>
-          </a:p>
-          <a:p>
-            <a:pPr marL="285750" indent="-285750">
-              <a:buFontTx/>
-              <a:buChar char="-"/>
-            </a:pPr>
-            <a:r>
-              <a:rPr lang="en-US" sz="1600" dirty="0"/>
-              <a:t>compute maximum flow to estimate abundance</a:t>
-            </a:r>
-            <a:br>
-              <a:rPr lang="en-US" sz="1600" dirty="0"/>
-            </a:br>
-            <a:endParaRPr lang="en-US" sz="1600" dirty="0"/>
-          </a:p>
-          <a:p>
-            <a:pPr marL="285750" indent="-285750">
-              <a:buFontTx/>
-              <a:buChar char="-"/>
-            </a:pPr>
-            <a:r>
-              <a:rPr lang="en-US" sz="1600" dirty="0"/>
-              <a:t>update the splice graph by removing reads that were assigned by the flow algorithm</a:t>
-            </a:r>
-            <a:br>
-              <a:rPr lang="en-US" sz="1600" dirty="0"/>
-            </a:br>
-            <a:endParaRPr lang="en-US" sz="1600" dirty="0"/>
-          </a:p>
-          <a:p>
-            <a:pPr marL="285750" indent="-285750">
-              <a:buFontTx/>
-              <a:buChar char="-"/>
-            </a:pPr>
-            <a:r>
-              <a:rPr lang="en-US" sz="1600" dirty="0"/>
-              <a:t>This process repeats until all reads have been assigned. </a:t>
-            </a:r>
-          </a:p>
-        </p:txBody>
-      </p:sp>
-      <p:sp>
-        <p:nvSpPr>
-          <p:cNvPr id="7" name="Title 1">
-            <a:extLst>
-              <a:ext uri="{FF2B5EF4-FFF2-40B4-BE49-F238E27FC236}">
-                <a16:creationId xmlns:a16="http://schemas.microsoft.com/office/drawing/2014/main" id="{35C845F0-3C59-F244-A6E6-72CEFB68E45B}"/>
-              </a:ext>
-            </a:extLst>
-          </p:cNvPr>
-          <p:cNvSpPr>
-            <a:spLocks noGrp="1"/>
-          </p:cNvSpPr>
-          <p:nvPr>
-            <p:ph type="title"/>
-          </p:nvPr>
-        </p:nvSpPr>
-        <p:spPr>
-          <a:xfrm>
-            <a:off x="1676400" y="94821"/>
-            <a:ext cx="8839200" cy="490066"/>
-          </a:xfrm>
-        </p:spPr>
-        <p:txBody>
-          <a:bodyPr>
-            <a:normAutofit fontScale="90000"/>
-          </a:bodyPr>
-          <a:lstStyle/>
-          <a:p>
-            <a:pPr algn="ctr"/>
-            <a:r>
-              <a:rPr lang="en-US" b="1" dirty="0">
-                <a:latin typeface="Calibri" panose="020F0502020204030204" pitchFamily="34" charset="0"/>
-                <a:cs typeface="Calibri" panose="020F0502020204030204" pitchFamily="34" charset="0"/>
-              </a:rPr>
-              <a:t>How does </a:t>
-            </a:r>
-            <a:r>
-              <a:rPr lang="en-US" b="1" dirty="0" err="1">
-                <a:latin typeface="Calibri" panose="020F0502020204030204" pitchFamily="34" charset="0"/>
-                <a:cs typeface="Calibri" panose="020F0502020204030204" pitchFamily="34" charset="0"/>
-              </a:rPr>
-              <a:t>StringTie</a:t>
-            </a:r>
-            <a:r>
-              <a:rPr lang="en-US" b="1" dirty="0">
-                <a:latin typeface="Calibri" panose="020F0502020204030204" pitchFamily="34" charset="0"/>
-                <a:cs typeface="Calibri" panose="020F0502020204030204" pitchFamily="34" charset="0"/>
-              </a:rPr>
-              <a:t> work?</a:t>
-            </a:r>
-          </a:p>
-        </p:txBody>
-      </p:sp>
-      <p:sp>
-        <p:nvSpPr>
-          <p:cNvPr id="8" name="TextBox 7">
-            <a:extLst>
-              <a:ext uri="{FF2B5EF4-FFF2-40B4-BE49-F238E27FC236}">
-                <a16:creationId xmlns:a16="http://schemas.microsoft.com/office/drawing/2014/main" id="{9A549B85-0517-644D-8FB1-49811967085B}"/>
-              </a:ext>
-            </a:extLst>
-          </p:cNvPr>
-          <p:cNvSpPr txBox="1"/>
-          <p:nvPr/>
-        </p:nvSpPr>
-        <p:spPr>
-          <a:xfrm>
-            <a:off x="8758091" y="6161314"/>
-            <a:ext cx="5472608" cy="276999"/>
-          </a:xfrm>
-          <a:prstGeom prst="rect">
-            <a:avLst/>
-          </a:prstGeom>
-          <a:noFill/>
-        </p:spPr>
-        <p:txBody>
-          <a:bodyPr wrap="square" rtlCol="0">
-            <a:spAutoFit/>
-          </a:bodyPr>
-          <a:lstStyle/>
-          <a:p>
-            <a:r>
-              <a:rPr lang="en-US" sz="1200" dirty="0" err="1"/>
+              <a:rPr lang="en-US" dirty="0" err="1"/>
               <a:t>Pertea</a:t>
             </a:r>
             <a:r>
-              <a:rPr lang="en-US" sz="1200" dirty="0"/>
-              <a:t> et al. Nature Biotechnology, 2015</a:t>
+              <a:rPr lang="en-US" dirty="0"/>
+              <a:t> et al. Nature Protocols, 2016</a:t>
             </a:r>
           </a:p>
         </p:txBody>
@@ -8951,7 +8411,7 @@
     </p:spTree>
     <p:extLst>
       <p:ext uri="{BB962C8B-B14F-4D97-AF65-F5344CB8AC3E}">
-        <p14:creationId xmlns:p14="http://schemas.microsoft.com/office/powerpoint/2010/main" val="2603465258"/>
+        <p14:creationId xmlns:p14="http://schemas.microsoft.com/office/powerpoint/2010/main" val="1818525938"/>
       </p:ext>
     </p:extLst>
   </p:cSld>

--- a/assets/lectures/cbw-cshl/2019/mini/RNASeq_MiniLecture_09_01_AbundanceEstimation.pptx
+++ b/assets/lectures/cbw-cshl/2019/mini/RNASeq_MiniLecture_09_01_AbundanceEstimation.pptx
@@ -206,7 +206,7 @@
           <a:p>
             <a:fld id="{827BD9F9-8452-A342-BB1B-28ECF19E2CC5}" type="datetimeFigureOut">
               <a:rPr lang="en-US" smtClean="0"/>
-              <a:t>3/11/19</a:t>
+              <a:t>3/12/19</a:t>
             </a:fld>
             <a:endParaRPr lang="en-US"/>
           </a:p>
@@ -1492,14 +1492,14 @@
           </a:ln>
           <a:extLst>
             <a:ext uri="{909E8E84-426E-40dd-AFC4-6F175D3DCCD1}">
-              <a14:hiddenFill xmlns:a14="http://schemas.microsoft.com/office/drawing/2010/main" xmlns="">
+              <a14:hiddenFill xmlns="" xmlns:a14="http://schemas.microsoft.com/office/drawing/2010/main">
                 <a:solidFill>
                   <a:srgbClr val="FFFFFF"/>
                 </a:solidFill>
               </a14:hiddenFill>
             </a:ext>
             <a:ext uri="{91240B29-F687-4f45-9708-019B960494DF}">
-              <a14:hiddenLine xmlns:a14="http://schemas.microsoft.com/office/drawing/2010/main" xmlns="" w="9525">
+              <a14:hiddenLine xmlns="" xmlns:a14="http://schemas.microsoft.com/office/drawing/2010/main" w="9525">
                 <a:solidFill>
                   <a:srgbClr val="000000"/>
                 </a:solidFill>
@@ -4837,14 +4837,14 @@
           </a:ln>
           <a:extLst>
             <a:ext uri="{909E8E84-426E-40dd-AFC4-6F175D3DCCD1}">
-              <a14:hiddenFill xmlns:a14="http://schemas.microsoft.com/office/drawing/2010/main" xmlns="">
+              <a14:hiddenFill xmlns="" xmlns:a14="http://schemas.microsoft.com/office/drawing/2010/main">
                 <a:solidFill>
                   <a:srgbClr val="FFFFFF"/>
                 </a:solidFill>
               </a14:hiddenFill>
             </a:ext>
             <a:ext uri="{91240B29-F687-4f45-9708-019B960494DF}">
-              <a14:hiddenLine xmlns:a14="http://schemas.microsoft.com/office/drawing/2010/main" xmlns="" w="9525">
+              <a14:hiddenLine xmlns="" xmlns:a14="http://schemas.microsoft.com/office/drawing/2010/main" w="9525">
                 <a:solidFill>
                   <a:srgbClr val="000000"/>
                 </a:solidFill>
@@ -5732,14 +5732,14 @@
           </a:ln>
           <a:extLst>
             <a:ext uri="{909E8E84-426E-40dd-AFC4-6F175D3DCCD1}">
-              <a14:hiddenFill xmlns:a14="http://schemas.microsoft.com/office/drawing/2010/main" xmlns="">
+              <a14:hiddenFill xmlns="" xmlns:a14="http://schemas.microsoft.com/office/drawing/2010/main">
                 <a:solidFill>
                   <a:srgbClr val="FFFFFF"/>
                 </a:solidFill>
               </a14:hiddenFill>
             </a:ext>
             <a:ext uri="{91240B29-F687-4f45-9708-019B960494DF}">
-              <a14:hiddenLine xmlns:a14="http://schemas.microsoft.com/office/drawing/2010/main" xmlns="" w="9525">
+              <a14:hiddenLine xmlns="" xmlns:a14="http://schemas.microsoft.com/office/drawing/2010/main" w="9525">
                 <a:solidFill>
                   <a:srgbClr val="000000"/>
                 </a:solidFill>
@@ -6029,14 +6029,14 @@
           </a:ln>
           <a:extLst>
             <a:ext uri="{909E8E84-426E-40dd-AFC4-6F175D3DCCD1}">
-              <a14:hiddenFill xmlns="" xmlns:a14="http://schemas.microsoft.com/office/drawing/2010/main">
+              <a14:hiddenFill xmlns:a14="http://schemas.microsoft.com/office/drawing/2010/main" xmlns="">
                 <a:solidFill>
                   <a:srgbClr val="FFFFFF"/>
                 </a:solidFill>
               </a14:hiddenFill>
             </a:ext>
             <a:ext uri="{91240B29-F687-4f45-9708-019B960494DF}">
-              <a14:hiddenLine xmlns="" xmlns:a14="http://schemas.microsoft.com/office/drawing/2010/main" w="9525">
+              <a14:hiddenLine xmlns:a14="http://schemas.microsoft.com/office/drawing/2010/main" xmlns="" w="9525">
                 <a:solidFill>
                   <a:srgbClr val="000000"/>
                 </a:solidFill>
@@ -6226,14 +6226,14 @@
           </a:ln>
           <a:extLst>
             <a:ext uri="{909E8E84-426E-40dd-AFC4-6F175D3DCCD1}">
-              <a14:hiddenFill xmlns="" xmlns:a14="http://schemas.microsoft.com/office/drawing/2010/main">
+              <a14:hiddenFill xmlns:a14="http://schemas.microsoft.com/office/drawing/2010/main" xmlns="">
                 <a:solidFill>
                   <a:srgbClr val="FFFFFF"/>
                 </a:solidFill>
               </a14:hiddenFill>
             </a:ext>
             <a:ext uri="{91240B29-F687-4f45-9708-019B960494DF}">
-              <a14:hiddenLine xmlns="" xmlns:a14="http://schemas.microsoft.com/office/drawing/2010/main" w="9525">
+              <a14:hiddenLine xmlns:a14="http://schemas.microsoft.com/office/drawing/2010/main" xmlns="" w="9525">
                 <a:solidFill>
                   <a:srgbClr val="000000"/>
                 </a:solidFill>
@@ -7068,7 +7068,7 @@
                 <a:latin typeface="Calibri" charset="0"/>
                 <a:ea typeface="ＭＳ Ｐゴシック" charset="0"/>
               </a:rPr>
-              <a:t>remember – RPKM is the same!</a:t>
+              <a:t>remember – RPKM is essentially the same!</a:t>
             </a:r>
           </a:p>
           <a:p>
